--- a/btech/CSE/sem 7/aca/ppt/4.1 Branch prediction.pptx
+++ b/btech/CSE/sem 7/aca/ppt/4.1 Branch prediction.pptx
@@ -118,7 +118,60 @@
       </a:defRPr>
     </a:lvl9pPr>
   </p:defaultTextStyle>
+  <p:extLst>
+    <p:ext uri="{EFAFB233-063F-42B5-8137-9DF3F51BA10A}">
+      <p15:sldGuideLst xmlns:p15="http://schemas.microsoft.com/office/powerpoint/2012/main">
+        <p15:guide id="1" orient="horz" pos="2160">
+          <p15:clr>
+            <a:srgbClr val="A4A3A4"/>
+          </p15:clr>
+        </p15:guide>
+        <p15:guide id="2" pos="2880">
+          <p15:clr>
+            <a:srgbClr val="A4A3A4"/>
+          </p15:clr>
+        </p15:guide>
+      </p15:sldGuideLst>
+    </p:ext>
+  </p:extLst>
 </p:presentation>
+</file>
+
+<file path=ppt/revisionInfo.xml><?xml version="1.0" encoding="utf-8"?>
+<p1510:revInfo xmlns:a="http://schemas.openxmlformats.org/drawingml/2006/main" xmlns:r="http://schemas.openxmlformats.org/officeDocument/2006/relationships" xmlns:p1510="http://schemas.microsoft.com/office/powerpoint/2015/10/main">
+  <p1510:revLst>
+    <p1510:client id="{F4E54977-55ED-4038-A9DE-3DAC317571AA}" v="2" dt="2025-12-02T18:05:46.322"/>
+  </p1510:revLst>
+</p1510:revInfo>
+</file>
+
+<file path=ppt/changesInfos/changesInfo1.xml><?xml version="1.0" encoding="utf-8"?>
+<pc:chgInfo xmlns:a="http://schemas.openxmlformats.org/drawingml/2006/main" xmlns:r="http://schemas.openxmlformats.org/officeDocument/2006/relationships" xmlns:ac="http://schemas.microsoft.com/office/drawing/2013/main/command" xmlns:pc="http://schemas.microsoft.com/office/powerpoint/2013/main/command">
+  <pc:docChgLst>
+    <pc:chgData name="LAKSHYAJEET SINGH JALAL" userId="01e5ba25-0d9f-43e5-bf77-2b53e2295a79" providerId="ADAL" clId="{3081FD4C-5936-43E9-A54D-FAFD91BF271E}"/>
+    <pc:docChg chg="modSld">
+      <pc:chgData name="LAKSHYAJEET SINGH JALAL" userId="01e5ba25-0d9f-43e5-bf77-2b53e2295a79" providerId="ADAL" clId="{3081FD4C-5936-43E9-A54D-FAFD91BF271E}" dt="2025-12-02T18:05:43.871" v="0" actId="20578"/>
+      <pc:docMkLst>
+        <pc:docMk/>
+      </pc:docMkLst>
+      <pc:sldChg chg="modSp">
+        <pc:chgData name="LAKSHYAJEET SINGH JALAL" userId="01e5ba25-0d9f-43e5-bf77-2b53e2295a79" providerId="ADAL" clId="{3081FD4C-5936-43E9-A54D-FAFD91BF271E}" dt="2025-12-02T18:05:43.871" v="0" actId="20578"/>
+        <pc:sldMkLst>
+          <pc:docMk/>
+          <pc:sldMk cId="0" sldId="261"/>
+        </pc:sldMkLst>
+        <pc:spChg chg="mod">
+          <ac:chgData name="LAKSHYAJEET SINGH JALAL" userId="01e5ba25-0d9f-43e5-bf77-2b53e2295a79" providerId="ADAL" clId="{3081FD4C-5936-43E9-A54D-FAFD91BF271E}" dt="2025-12-02T18:05:43.871" v="0" actId="20578"/>
+          <ac:spMkLst>
+            <pc:docMk/>
+            <pc:sldMk cId="0" sldId="261"/>
+            <ac:spMk id="3" creationId="{00000000-0000-0000-0000-000000000000}"/>
+          </ac:spMkLst>
+        </pc:spChg>
+      </pc:sldChg>
+    </pc:docChg>
+  </pc:docChgLst>
+</pc:chgInfo>
 </file>
 
 <file path=ppt/notesMasters/notesMaster1.xml><?xml version="1.0" encoding="utf-8"?>
@@ -204,7 +257,7 @@
             <a:fld id="{E5999FD4-ACD5-4F58-91BA-1F9D5B551F81}" type="datetimeFigureOut">
               <a:rPr lang="en-US" smtClean="0"/>
               <a:pPr/>
-              <a:t>10/30/2020</a:t>
+              <a:t>12/2/2025</a:t>
             </a:fld>
             <a:endParaRPr lang="en-US"/>
           </a:p>
@@ -270,38 +323,37 @@
           <a:p>
             <a:pPr lvl="0"/>
             <a:r>
-              <a:rPr lang="en-US" smtClean="0"/>
+              <a:rPr lang="en-US"/>
               <a:t>Click to edit Master text styles</a:t>
             </a:r>
           </a:p>
           <a:p>
             <a:pPr lvl="1"/>
             <a:r>
-              <a:rPr lang="en-US" smtClean="0"/>
+              <a:rPr lang="en-US"/>
               <a:t>Second level</a:t>
             </a:r>
           </a:p>
           <a:p>
             <a:pPr lvl="2"/>
             <a:r>
-              <a:rPr lang="en-US" smtClean="0"/>
+              <a:rPr lang="en-US"/>
               <a:t>Third level</a:t>
             </a:r>
           </a:p>
           <a:p>
             <a:pPr lvl="3"/>
             <a:r>
-              <a:rPr lang="en-US" smtClean="0"/>
+              <a:rPr lang="en-US"/>
               <a:t>Fourth level</a:t>
             </a:r>
           </a:p>
           <a:p>
             <a:pPr lvl="4"/>
             <a:r>
-              <a:rPr lang="en-US" smtClean="0"/>
+              <a:rPr lang="en-US"/>
               <a:t>Fifth level</a:t>
             </a:r>
-            <a:endParaRPr lang="en-US"/>
           </a:p>
         </p:txBody>
       </p:sp>
@@ -523,7 +575,7 @@
           <a:bodyPr/>
           <a:lstStyle/>
           <a:p>
-            <a:endParaRPr lang="en-US" smtClean="0">
+            <a:endParaRPr lang="en-US">
               <a:latin typeface="Times New Roman" pitchFamily="18" charset="0"/>
             </a:endParaRPr>
           </a:p>
@@ -617,9 +669,7 @@
         </p:style>
         <p:txBody>
           <a:bodyPr anchor="ctr"/>
-          <a:lstStyle>
-            <a:extLst/>
-          </a:lstStyle>
+          <a:lstStyle/>
           <a:p>
             <a:pPr algn="ctr" eaLnBrk="1" latinLnBrk="0" hangingPunct="1"/>
             <a:endParaRPr kumimoji="0" lang="en-US"/>
@@ -672,10 +722,9 @@
           </a:lstStyle>
           <a:p>
             <a:r>
-              <a:rPr kumimoji="0" lang="en-US" smtClean="0"/>
+              <a:rPr kumimoji="0" lang="en-US"/>
               <a:t>Click to edit Master title style</a:t>
             </a:r>
-            <a:endParaRPr kumimoji="0" lang="en-US"/>
           </a:p>
         </p:txBody>
       </p:sp>
@@ -734,10 +783,9 @@
           </a:lstStyle>
           <a:p>
             <a:r>
-              <a:rPr kumimoji="0" lang="en-US" smtClean="0"/>
+              <a:rPr kumimoji="0" lang="en-US"/>
               <a:t>Click to edit Master subtitle style</a:t>
             </a:r>
-            <a:endParaRPr kumimoji="0" lang="en-US"/>
           </a:p>
         </p:txBody>
       </p:sp>
@@ -832,9 +880,7 @@
           </p:spPr>
           <p:txBody>
             <a:bodyPr vert="horz" wrap="square" lIns="91440" tIns="45720" rIns="91440" bIns="45720" anchor="t" compatLnSpc="1"/>
-            <a:lstStyle>
-              <a:extLst/>
-            </a:lstStyle>
+            <a:lstStyle/>
             <a:p>
               <a:endParaRPr kumimoji="0" lang="en-US"/>
             </a:p>
@@ -914,9 +960,7 @@
           </p:spPr>
           <p:txBody>
             <a:bodyPr vert="horz" wrap="square" lIns="91440" tIns="45720" rIns="91440" bIns="45720" anchor="t" compatLnSpc="1"/>
-            <a:lstStyle>
-              <a:extLst/>
-            </a:lstStyle>
+            <a:lstStyle/>
             <a:p>
               <a:endParaRPr kumimoji="0" lang="en-US"/>
             </a:p>
@@ -1073,9 +1117,7 @@
           </p:style>
           <p:txBody>
             <a:bodyPr vert="horz" wrap="square" lIns="91440" tIns="45720" rIns="91440" bIns="45720" anchor="ctr" compatLnSpc="1"/>
-            <a:lstStyle>
-              <a:extLst/>
-            </a:lstStyle>
+            <a:lstStyle/>
             <a:p>
               <a:pPr algn="ctr" eaLnBrk="1" latinLnBrk="0" hangingPunct="1"/>
               <a:endParaRPr kumimoji="0" lang="en-US"/>
@@ -1163,7 +1205,7 @@
             <a:fld id="{1D8BD707-D9CF-40AE-B4C6-C98DA3205C09}" type="datetimeFigureOut">
               <a:rPr lang="en-US" smtClean="0"/>
               <a:pPr/>
-              <a:t>10/30/2020</a:t>
+              <a:t>12/2/2025</a:t>
             </a:fld>
             <a:endParaRPr lang="en-US"/>
           </a:p>
@@ -1270,15 +1312,12 @@
         <p:spPr/>
         <p:txBody>
           <a:bodyPr/>
-          <a:lstStyle>
-            <a:extLst/>
-          </a:lstStyle>
-          <a:p>
-            <a:r>
-              <a:rPr kumimoji="0" lang="en-US" smtClean="0"/>
+          <a:lstStyle/>
+          <a:p>
+            <a:r>
+              <a:rPr kumimoji="0" lang="en-US"/>
               <a:t>Click to edit Master title style</a:t>
             </a:r>
-            <a:endParaRPr kumimoji="0" lang="en-US"/>
           </a:p>
         </p:txBody>
       </p:sp>
@@ -1300,41 +1339,39 @@
         </p:spPr>
         <p:txBody>
           <a:bodyPr vert="eaVert"/>
-          <a:lstStyle>
-            <a:extLst/>
-          </a:lstStyle>
+          <a:lstStyle/>
           <a:p>
             <a:pPr lvl="0" eaLnBrk="1" latinLnBrk="0" hangingPunct="1"/>
             <a:r>
-              <a:rPr lang="en-US" smtClean="0"/>
+              <a:rPr lang="en-US"/>
               <a:t>Click to edit Master text styles</a:t>
             </a:r>
           </a:p>
           <a:p>
             <a:pPr lvl="1" eaLnBrk="1" latinLnBrk="0" hangingPunct="1"/>
             <a:r>
-              <a:rPr lang="en-US" smtClean="0"/>
+              <a:rPr lang="en-US"/>
               <a:t>Second level</a:t>
             </a:r>
           </a:p>
           <a:p>
             <a:pPr lvl="2" eaLnBrk="1" latinLnBrk="0" hangingPunct="1"/>
             <a:r>
-              <a:rPr lang="en-US" smtClean="0"/>
+              <a:rPr lang="en-US"/>
               <a:t>Third level</a:t>
             </a:r>
           </a:p>
           <a:p>
             <a:pPr lvl="3" eaLnBrk="1" latinLnBrk="0" hangingPunct="1"/>
             <a:r>
-              <a:rPr lang="en-US" smtClean="0"/>
+              <a:rPr lang="en-US"/>
               <a:t>Fourth level</a:t>
             </a:r>
           </a:p>
           <a:p>
             <a:pPr lvl="4" eaLnBrk="1" latinLnBrk="0" hangingPunct="1"/>
             <a:r>
-              <a:rPr lang="en-US" smtClean="0"/>
+              <a:rPr lang="en-US"/>
               <a:t>Fifth level</a:t>
             </a:r>
             <a:endParaRPr kumimoji="0" lang="en-US"/>
@@ -1354,14 +1391,12 @@
         <p:spPr/>
         <p:txBody>
           <a:bodyPr/>
-          <a:lstStyle>
-            <a:extLst/>
-          </a:lstStyle>
+          <a:lstStyle/>
           <a:p>
             <a:fld id="{1D8BD707-D9CF-40AE-B4C6-C98DA3205C09}" type="datetimeFigureOut">
               <a:rPr lang="en-US" smtClean="0"/>
               <a:pPr/>
-              <a:t>10/30/2020</a:t>
+              <a:t>12/2/2025</a:t>
             </a:fld>
             <a:endParaRPr lang="en-US"/>
           </a:p>
@@ -1380,9 +1415,7 @@
         <p:spPr/>
         <p:txBody>
           <a:bodyPr/>
-          <a:lstStyle>
-            <a:extLst/>
-          </a:lstStyle>
+          <a:lstStyle/>
           <a:p>
             <a:endParaRPr lang="en-US"/>
           </a:p>
@@ -1401,9 +1434,7 @@
         <p:spPr/>
         <p:txBody>
           <a:bodyPr/>
-          <a:lstStyle>
-            <a:extLst/>
-          </a:lstStyle>
+          <a:lstStyle/>
           <a:p>
             <a:fld id="{B6F15528-21DE-4FAA-801E-634DDDAF4B2B}" type="slidenum">
               <a:rPr lang="en-US" smtClean="0"/>
@@ -1457,15 +1488,12 @@
         </p:spPr>
         <p:txBody>
           <a:bodyPr vert="eaVert"/>
-          <a:lstStyle>
-            <a:extLst/>
-          </a:lstStyle>
-          <a:p>
-            <a:r>
-              <a:rPr kumimoji="0" lang="en-US" smtClean="0"/>
+          <a:lstStyle/>
+          <a:p>
+            <a:r>
+              <a:rPr kumimoji="0" lang="en-US"/>
               <a:t>Click to edit Master title style</a:t>
             </a:r>
-            <a:endParaRPr kumimoji="0" lang="en-US"/>
           </a:p>
         </p:txBody>
       </p:sp>
@@ -1487,41 +1515,39 @@
         </p:spPr>
         <p:txBody>
           <a:bodyPr vert="eaVert"/>
-          <a:lstStyle>
-            <a:extLst/>
-          </a:lstStyle>
+          <a:lstStyle/>
           <a:p>
             <a:pPr lvl="0" eaLnBrk="1" latinLnBrk="0" hangingPunct="1"/>
             <a:r>
-              <a:rPr lang="en-US" smtClean="0"/>
+              <a:rPr lang="en-US"/>
               <a:t>Click to edit Master text styles</a:t>
             </a:r>
           </a:p>
           <a:p>
             <a:pPr lvl="1" eaLnBrk="1" latinLnBrk="0" hangingPunct="1"/>
             <a:r>
-              <a:rPr lang="en-US" smtClean="0"/>
+              <a:rPr lang="en-US"/>
               <a:t>Second level</a:t>
             </a:r>
           </a:p>
           <a:p>
             <a:pPr lvl="2" eaLnBrk="1" latinLnBrk="0" hangingPunct="1"/>
             <a:r>
-              <a:rPr lang="en-US" smtClean="0"/>
+              <a:rPr lang="en-US"/>
               <a:t>Third level</a:t>
             </a:r>
           </a:p>
           <a:p>
             <a:pPr lvl="3" eaLnBrk="1" latinLnBrk="0" hangingPunct="1"/>
             <a:r>
-              <a:rPr lang="en-US" smtClean="0"/>
+              <a:rPr lang="en-US"/>
               <a:t>Fourth level</a:t>
             </a:r>
           </a:p>
           <a:p>
             <a:pPr lvl="4" eaLnBrk="1" latinLnBrk="0" hangingPunct="1"/>
             <a:r>
-              <a:rPr lang="en-US" smtClean="0"/>
+              <a:rPr lang="en-US"/>
               <a:t>Fifth level</a:t>
             </a:r>
             <a:endParaRPr kumimoji="0" lang="en-US"/>
@@ -1541,14 +1567,12 @@
         <p:spPr/>
         <p:txBody>
           <a:bodyPr/>
-          <a:lstStyle>
-            <a:extLst/>
-          </a:lstStyle>
+          <a:lstStyle/>
           <a:p>
             <a:fld id="{1D8BD707-D9CF-40AE-B4C6-C98DA3205C09}" type="datetimeFigureOut">
               <a:rPr lang="en-US" smtClean="0"/>
               <a:pPr/>
-              <a:t>10/30/2020</a:t>
+              <a:t>12/2/2025</a:t>
             </a:fld>
             <a:endParaRPr lang="en-US"/>
           </a:p>
@@ -1567,9 +1591,7 @@
         <p:spPr/>
         <p:txBody>
           <a:bodyPr/>
-          <a:lstStyle>
-            <a:extLst/>
-          </a:lstStyle>
+          <a:lstStyle/>
           <a:p>
             <a:endParaRPr lang="en-US"/>
           </a:p>
@@ -1588,9 +1610,7 @@
         <p:spPr/>
         <p:txBody>
           <a:bodyPr/>
-          <a:lstStyle>
-            <a:extLst/>
-          </a:lstStyle>
+          <a:lstStyle/>
           <a:p>
             <a:fld id="{B6F15528-21DE-4FAA-801E-634DDDAF4B2B}" type="slidenum">
               <a:rPr lang="en-US" smtClean="0"/>
@@ -1639,41 +1659,39 @@
         <p:spPr/>
         <p:txBody>
           <a:bodyPr/>
-          <a:lstStyle>
-            <a:extLst/>
-          </a:lstStyle>
+          <a:lstStyle/>
           <a:p>
             <a:pPr lvl="0" eaLnBrk="1" latinLnBrk="0" hangingPunct="1"/>
             <a:r>
-              <a:rPr lang="en-US" smtClean="0"/>
+              <a:rPr lang="en-US"/>
               <a:t>Click to edit Master text styles</a:t>
             </a:r>
           </a:p>
           <a:p>
             <a:pPr lvl="1" eaLnBrk="1" latinLnBrk="0" hangingPunct="1"/>
             <a:r>
-              <a:rPr lang="en-US" smtClean="0"/>
+              <a:rPr lang="en-US"/>
               <a:t>Second level</a:t>
             </a:r>
           </a:p>
           <a:p>
             <a:pPr lvl="2" eaLnBrk="1" latinLnBrk="0" hangingPunct="1"/>
             <a:r>
-              <a:rPr lang="en-US" smtClean="0"/>
+              <a:rPr lang="en-US"/>
               <a:t>Third level</a:t>
             </a:r>
           </a:p>
           <a:p>
             <a:pPr lvl="3" eaLnBrk="1" latinLnBrk="0" hangingPunct="1"/>
             <a:r>
-              <a:rPr lang="en-US" smtClean="0"/>
+              <a:rPr lang="en-US"/>
               <a:t>Fourth level</a:t>
             </a:r>
           </a:p>
           <a:p>
             <a:pPr lvl="4" eaLnBrk="1" latinLnBrk="0" hangingPunct="1"/>
             <a:r>
-              <a:rPr lang="en-US" smtClean="0"/>
+              <a:rPr lang="en-US"/>
               <a:t>Fifth level</a:t>
             </a:r>
             <a:endParaRPr kumimoji="0" lang="en-US"/>
@@ -1693,14 +1711,12 @@
         <p:spPr/>
         <p:txBody>
           <a:bodyPr/>
-          <a:lstStyle>
-            <a:extLst/>
-          </a:lstStyle>
+          <a:lstStyle/>
           <a:p>
             <a:fld id="{1D8BD707-D9CF-40AE-B4C6-C98DA3205C09}" type="datetimeFigureOut">
               <a:rPr lang="en-US" smtClean="0"/>
               <a:pPr/>
-              <a:t>10/30/2020</a:t>
+              <a:t>12/2/2025</a:t>
             </a:fld>
             <a:endParaRPr lang="en-US"/>
           </a:p>
@@ -1719,9 +1735,7 @@
         <p:spPr/>
         <p:txBody>
           <a:bodyPr/>
-          <a:lstStyle>
-            <a:extLst/>
-          </a:lstStyle>
+          <a:lstStyle/>
           <a:p>
             <a:endParaRPr lang="en-US"/>
           </a:p>
@@ -1740,9 +1754,7 @@
         <p:spPr/>
         <p:txBody>
           <a:bodyPr/>
-          <a:lstStyle>
-            <a:extLst/>
-          </a:lstStyle>
+          <a:lstStyle/>
           <a:p>
             <a:fld id="{B6F15528-21DE-4FAA-801E-634DDDAF4B2B}" type="slidenum">
               <a:rPr lang="en-US" smtClean="0"/>
@@ -1766,15 +1778,12 @@
         <p:spPr/>
         <p:txBody>
           <a:bodyPr rtlCol="0"/>
-          <a:lstStyle>
-            <a:extLst/>
-          </a:lstStyle>
-          <a:p>
-            <a:r>
-              <a:rPr kumimoji="0" lang="en-US" smtClean="0"/>
+          <a:lstStyle/>
+          <a:p>
+            <a:r>
+              <a:rPr kumimoji="0" lang="en-US"/>
               <a:t>Click to edit Master title style</a:t>
             </a:r>
-            <a:endParaRPr kumimoji="0" lang="en-US"/>
           </a:p>
         </p:txBody>
       </p:sp>
@@ -1852,10 +1861,9 @@
           </a:lstStyle>
           <a:p>
             <a:r>
-              <a:rPr kumimoji="0" lang="en-US" smtClean="0"/>
+              <a:rPr kumimoji="0" lang="en-US"/>
               <a:t>Click to edit Master title style</a:t>
             </a:r>
-            <a:endParaRPr kumimoji="0" lang="en-US"/>
           </a:p>
         </p:txBody>
       </p:sp>
@@ -1931,7 +1939,7 @@
           <a:p>
             <a:pPr lvl="0" eaLnBrk="1" latinLnBrk="0" hangingPunct="1"/>
             <a:r>
-              <a:rPr kumimoji="0" lang="en-US" smtClean="0"/>
+              <a:rPr kumimoji="0" lang="en-US"/>
               <a:t>Click to edit Master text styles</a:t>
             </a:r>
           </a:p>
@@ -1950,14 +1958,12 @@
         <p:spPr/>
         <p:txBody>
           <a:bodyPr/>
-          <a:lstStyle>
-            <a:extLst/>
-          </a:lstStyle>
+          <a:lstStyle/>
           <a:p>
             <a:fld id="{1D8BD707-D9CF-40AE-B4C6-C98DA3205C09}" type="datetimeFigureOut">
               <a:rPr lang="en-US" smtClean="0"/>
               <a:pPr/>
-              <a:t>10/30/2020</a:t>
+              <a:t>12/2/2025</a:t>
             </a:fld>
             <a:endParaRPr lang="en-US"/>
           </a:p>
@@ -1976,9 +1982,7 @@
         <p:spPr/>
         <p:txBody>
           <a:bodyPr/>
-          <a:lstStyle>
-            <a:extLst/>
-          </a:lstStyle>
+          <a:lstStyle/>
           <a:p>
             <a:endParaRPr lang="en-US"/>
           </a:p>
@@ -1997,9 +2001,7 @@
         <p:spPr/>
         <p:txBody>
           <a:bodyPr/>
-          <a:lstStyle>
-            <a:extLst/>
-          </a:lstStyle>
+          <a:lstStyle/>
           <a:p>
             <a:fld id="{B6F15528-21DE-4FAA-801E-634DDDAF4B2B}" type="slidenum">
               <a:rPr lang="en-US" smtClean="0"/>
@@ -2081,9 +2083,7 @@
         </p:style>
         <p:txBody>
           <a:bodyPr anchor="ctr"/>
-          <a:lstStyle>
-            <a:extLst/>
-          </a:lstStyle>
+          <a:lstStyle/>
           <a:p>
             <a:pPr algn="l" eaLnBrk="1" latinLnBrk="0" hangingPunct="1"/>
             <a:endParaRPr kumimoji="0" lang="en-US"/>
@@ -2161,9 +2161,7 @@
         </p:style>
         <p:txBody>
           <a:bodyPr anchor="ctr"/>
-          <a:lstStyle>
-            <a:extLst/>
-          </a:lstStyle>
+          <a:lstStyle/>
           <a:p>
             <a:pPr algn="l" eaLnBrk="1" latinLnBrk="0" hangingPunct="1"/>
             <a:endParaRPr kumimoji="0" lang="en-US"/>
@@ -2239,35 +2237,35 @@
           <a:p>
             <a:pPr lvl="0" eaLnBrk="1" latinLnBrk="0" hangingPunct="1"/>
             <a:r>
-              <a:rPr lang="en-US" smtClean="0"/>
+              <a:rPr lang="en-US"/>
               <a:t>Click to edit Master text styles</a:t>
             </a:r>
           </a:p>
           <a:p>
             <a:pPr lvl="1" eaLnBrk="1" latinLnBrk="0" hangingPunct="1"/>
             <a:r>
-              <a:rPr lang="en-US" smtClean="0"/>
+              <a:rPr lang="en-US"/>
               <a:t>Second level</a:t>
             </a:r>
           </a:p>
           <a:p>
             <a:pPr lvl="2" eaLnBrk="1" latinLnBrk="0" hangingPunct="1"/>
             <a:r>
-              <a:rPr lang="en-US" smtClean="0"/>
+              <a:rPr lang="en-US"/>
               <a:t>Third level</a:t>
             </a:r>
           </a:p>
           <a:p>
             <a:pPr lvl="3" eaLnBrk="1" latinLnBrk="0" hangingPunct="1"/>
             <a:r>
-              <a:rPr lang="en-US" smtClean="0"/>
+              <a:rPr lang="en-US"/>
               <a:t>Fourth level</a:t>
             </a:r>
           </a:p>
           <a:p>
             <a:pPr lvl="4" eaLnBrk="1" latinLnBrk="0" hangingPunct="1"/>
             <a:r>
-              <a:rPr lang="en-US" smtClean="0"/>
+              <a:rPr lang="en-US"/>
               <a:t>Fifth level</a:t>
             </a:r>
             <a:endParaRPr kumimoji="0" lang="en-US"/>
@@ -2313,35 +2311,35 @@
           <a:p>
             <a:pPr lvl="0" eaLnBrk="1" latinLnBrk="0" hangingPunct="1"/>
             <a:r>
-              <a:rPr lang="en-US" smtClean="0"/>
+              <a:rPr lang="en-US"/>
               <a:t>Click to edit Master text styles</a:t>
             </a:r>
           </a:p>
           <a:p>
             <a:pPr lvl="1" eaLnBrk="1" latinLnBrk="0" hangingPunct="1"/>
             <a:r>
-              <a:rPr lang="en-US" smtClean="0"/>
+              <a:rPr lang="en-US"/>
               <a:t>Second level</a:t>
             </a:r>
           </a:p>
           <a:p>
             <a:pPr lvl="2" eaLnBrk="1" latinLnBrk="0" hangingPunct="1"/>
             <a:r>
-              <a:rPr lang="en-US" smtClean="0"/>
+              <a:rPr lang="en-US"/>
               <a:t>Third level</a:t>
             </a:r>
           </a:p>
           <a:p>
             <a:pPr lvl="3" eaLnBrk="1" latinLnBrk="0" hangingPunct="1"/>
             <a:r>
-              <a:rPr lang="en-US" smtClean="0"/>
+              <a:rPr lang="en-US"/>
               <a:t>Fourth level</a:t>
             </a:r>
           </a:p>
           <a:p>
             <a:pPr lvl="4" eaLnBrk="1" latinLnBrk="0" hangingPunct="1"/>
             <a:r>
-              <a:rPr lang="en-US" smtClean="0"/>
+              <a:rPr lang="en-US"/>
               <a:t>Fifth level</a:t>
             </a:r>
             <a:endParaRPr kumimoji="0" lang="en-US"/>
@@ -2361,14 +2359,12 @@
         <p:spPr/>
         <p:txBody>
           <a:bodyPr/>
-          <a:lstStyle>
-            <a:extLst/>
-          </a:lstStyle>
+          <a:lstStyle/>
           <a:p>
             <a:fld id="{1D8BD707-D9CF-40AE-B4C6-C98DA3205C09}" type="datetimeFigureOut">
               <a:rPr lang="en-US" smtClean="0"/>
               <a:pPr/>
-              <a:t>10/30/2020</a:t>
+              <a:t>12/2/2025</a:t>
             </a:fld>
             <a:endParaRPr lang="en-US"/>
           </a:p>
@@ -2387,9 +2383,7 @@
         <p:spPr/>
         <p:txBody>
           <a:bodyPr/>
-          <a:lstStyle>
-            <a:extLst/>
-          </a:lstStyle>
+          <a:lstStyle/>
           <a:p>
             <a:endParaRPr lang="en-US"/>
           </a:p>
@@ -2408,9 +2402,7 @@
         <p:spPr/>
         <p:txBody>
           <a:bodyPr/>
-          <a:lstStyle>
-            <a:extLst/>
-          </a:lstStyle>
+          <a:lstStyle/>
           <a:p>
             <a:fld id="{B6F15528-21DE-4FAA-801E-634DDDAF4B2B}" type="slidenum">
               <a:rPr lang="en-US" smtClean="0"/>
@@ -2434,15 +2426,12 @@
         <p:spPr/>
         <p:txBody>
           <a:bodyPr rtlCol="0"/>
-          <a:lstStyle>
-            <a:extLst/>
-          </a:lstStyle>
-          <a:p>
-            <a:r>
-              <a:rPr kumimoji="0" lang="en-US" smtClean="0"/>
+          <a:lstStyle/>
+          <a:p>
+            <a:r>
+              <a:rPr kumimoji="0" lang="en-US"/>
               <a:t>Click to edit Master title style</a:t>
             </a:r>
-            <a:endParaRPr kumimoji="0" lang="en-US"/>
           </a:p>
         </p:txBody>
       </p:sp>
@@ -2502,10 +2491,9 @@
           </a:lstStyle>
           <a:p>
             <a:r>
-              <a:rPr kumimoji="0" lang="en-US" smtClean="0"/>
+              <a:rPr kumimoji="0" lang="en-US"/>
               <a:t>Click to edit Master title style</a:t>
             </a:r>
-            <a:endParaRPr kumimoji="0" lang="en-US"/>
           </a:p>
         </p:txBody>
       </p:sp>
@@ -2566,7 +2554,7 @@
           <a:p>
             <a:pPr lvl="0" eaLnBrk="1" latinLnBrk="0" hangingPunct="1"/>
             <a:r>
-              <a:rPr kumimoji="0" lang="en-US" smtClean="0"/>
+              <a:rPr kumimoji="0" lang="en-US"/>
               <a:t>Click to edit Master text styles</a:t>
             </a:r>
           </a:p>
@@ -2629,7 +2617,7 @@
           <a:p>
             <a:pPr lvl="0" eaLnBrk="1" latinLnBrk="0" hangingPunct="1"/>
             <a:r>
-              <a:rPr kumimoji="0" lang="en-US" smtClean="0"/>
+              <a:rPr kumimoji="0" lang="en-US"/>
               <a:t>Click to edit Master text styles</a:t>
             </a:r>
           </a:p>
@@ -2679,35 +2667,35 @@
           <a:p>
             <a:pPr lvl="0" eaLnBrk="1" latinLnBrk="0" hangingPunct="1"/>
             <a:r>
-              <a:rPr lang="en-US" smtClean="0"/>
+              <a:rPr lang="en-US"/>
               <a:t>Click to edit Master text styles</a:t>
             </a:r>
           </a:p>
           <a:p>
             <a:pPr lvl="1" eaLnBrk="1" latinLnBrk="0" hangingPunct="1"/>
             <a:r>
-              <a:rPr lang="en-US" smtClean="0"/>
+              <a:rPr lang="en-US"/>
               <a:t>Second level</a:t>
             </a:r>
           </a:p>
           <a:p>
             <a:pPr lvl="2" eaLnBrk="1" latinLnBrk="0" hangingPunct="1"/>
             <a:r>
-              <a:rPr lang="en-US" smtClean="0"/>
+              <a:rPr lang="en-US"/>
               <a:t>Third level</a:t>
             </a:r>
           </a:p>
           <a:p>
             <a:pPr lvl="3" eaLnBrk="1" latinLnBrk="0" hangingPunct="1"/>
             <a:r>
-              <a:rPr lang="en-US" smtClean="0"/>
+              <a:rPr lang="en-US"/>
               <a:t>Fourth level</a:t>
             </a:r>
           </a:p>
           <a:p>
             <a:pPr lvl="4" eaLnBrk="1" latinLnBrk="0" hangingPunct="1"/>
             <a:r>
-              <a:rPr lang="en-US" smtClean="0"/>
+              <a:rPr lang="en-US"/>
               <a:t>Fifth level</a:t>
             </a:r>
             <a:endParaRPr kumimoji="0" lang="en-US"/>
@@ -2761,35 +2749,35 @@
           <a:p>
             <a:pPr lvl="0" eaLnBrk="1" latinLnBrk="0" hangingPunct="1"/>
             <a:r>
-              <a:rPr lang="en-US" smtClean="0"/>
+              <a:rPr lang="en-US"/>
               <a:t>Click to edit Master text styles</a:t>
             </a:r>
           </a:p>
           <a:p>
             <a:pPr lvl="1" eaLnBrk="1" latinLnBrk="0" hangingPunct="1"/>
             <a:r>
-              <a:rPr lang="en-US" smtClean="0"/>
+              <a:rPr lang="en-US"/>
               <a:t>Second level</a:t>
             </a:r>
           </a:p>
           <a:p>
             <a:pPr lvl="2" eaLnBrk="1" latinLnBrk="0" hangingPunct="1"/>
             <a:r>
-              <a:rPr lang="en-US" smtClean="0"/>
+              <a:rPr lang="en-US"/>
               <a:t>Third level</a:t>
             </a:r>
           </a:p>
           <a:p>
             <a:pPr lvl="3" eaLnBrk="1" latinLnBrk="0" hangingPunct="1"/>
             <a:r>
-              <a:rPr lang="en-US" smtClean="0"/>
+              <a:rPr lang="en-US"/>
               <a:t>Fourth level</a:t>
             </a:r>
           </a:p>
           <a:p>
             <a:pPr lvl="4" eaLnBrk="1" latinLnBrk="0" hangingPunct="1"/>
             <a:r>
-              <a:rPr lang="en-US" smtClean="0"/>
+              <a:rPr lang="en-US"/>
               <a:t>Fifth level</a:t>
             </a:r>
             <a:endParaRPr kumimoji="0" lang="en-US"/>
@@ -2809,14 +2797,12 @@
         <p:spPr/>
         <p:txBody>
           <a:bodyPr/>
-          <a:lstStyle>
-            <a:extLst/>
-          </a:lstStyle>
+          <a:lstStyle/>
           <a:p>
             <a:fld id="{1D8BD707-D9CF-40AE-B4C6-C98DA3205C09}" type="datetimeFigureOut">
               <a:rPr lang="en-US" smtClean="0"/>
               <a:pPr/>
-              <a:t>10/30/2020</a:t>
+              <a:t>12/2/2025</a:t>
             </a:fld>
             <a:endParaRPr lang="en-US"/>
           </a:p>
@@ -2835,9 +2821,7 @@
         <p:spPr/>
         <p:txBody>
           <a:bodyPr/>
-          <a:lstStyle>
-            <a:extLst/>
-          </a:lstStyle>
+          <a:lstStyle/>
           <a:p>
             <a:endParaRPr lang="en-US"/>
           </a:p>
@@ -2856,9 +2840,7 @@
         <p:spPr/>
         <p:txBody>
           <a:bodyPr/>
-          <a:lstStyle>
-            <a:extLst/>
-          </a:lstStyle>
+          <a:lstStyle/>
           <a:p>
             <a:fld id="{B6F15528-21DE-4FAA-801E-634DDDAF4B2B}" type="slidenum">
               <a:rPr lang="en-US" smtClean="0"/>
@@ -2912,14 +2894,12 @@
         <p:spPr/>
         <p:txBody>
           <a:bodyPr/>
-          <a:lstStyle>
-            <a:extLst/>
-          </a:lstStyle>
+          <a:lstStyle/>
           <a:p>
             <a:fld id="{1D8BD707-D9CF-40AE-B4C6-C98DA3205C09}" type="datetimeFigureOut">
               <a:rPr lang="en-US" smtClean="0"/>
               <a:pPr/>
-              <a:t>10/30/2020</a:t>
+              <a:t>12/2/2025</a:t>
             </a:fld>
             <a:endParaRPr lang="en-US"/>
           </a:p>
@@ -2938,9 +2918,7 @@
         <p:spPr/>
         <p:txBody>
           <a:bodyPr/>
-          <a:lstStyle>
-            <a:extLst/>
-          </a:lstStyle>
+          <a:lstStyle/>
           <a:p>
             <a:endParaRPr lang="en-US"/>
           </a:p>
@@ -2959,9 +2937,7 @@
         <p:spPr/>
         <p:txBody>
           <a:bodyPr/>
-          <a:lstStyle>
-            <a:extLst/>
-          </a:lstStyle>
+          <a:lstStyle/>
           <a:p>
             <a:fld id="{B6F15528-21DE-4FAA-801E-634DDDAF4B2B}" type="slidenum">
               <a:rPr lang="en-US" smtClean="0"/>
@@ -2985,15 +2961,12 @@
         <p:spPr/>
         <p:txBody>
           <a:bodyPr rtlCol="0"/>
-          <a:lstStyle>
-            <a:extLst/>
-          </a:lstStyle>
-          <a:p>
-            <a:r>
-              <a:rPr kumimoji="0" lang="en-US" smtClean="0"/>
+          <a:lstStyle/>
+          <a:p>
+            <a:r>
+              <a:rPr kumimoji="0" lang="en-US"/>
               <a:t>Click to edit Master title style</a:t>
             </a:r>
-            <a:endParaRPr kumimoji="0" lang="en-US"/>
           </a:p>
         </p:txBody>
       </p:sp>
@@ -3035,14 +3008,12 @@
         <p:spPr/>
         <p:txBody>
           <a:bodyPr/>
-          <a:lstStyle>
-            <a:extLst/>
-          </a:lstStyle>
+          <a:lstStyle/>
           <a:p>
             <a:fld id="{1D8BD707-D9CF-40AE-B4C6-C98DA3205C09}" type="datetimeFigureOut">
               <a:rPr lang="en-US" smtClean="0"/>
               <a:pPr/>
-              <a:t>10/30/2020</a:t>
+              <a:t>12/2/2025</a:t>
             </a:fld>
             <a:endParaRPr lang="en-US"/>
           </a:p>
@@ -3061,9 +3032,7 @@
         <p:spPr/>
         <p:txBody>
           <a:bodyPr/>
-          <a:lstStyle>
-            <a:extLst/>
-          </a:lstStyle>
+          <a:lstStyle/>
           <a:p>
             <a:endParaRPr lang="en-US"/>
           </a:p>
@@ -3082,9 +3051,7 @@
         <p:spPr/>
         <p:txBody>
           <a:bodyPr/>
-          <a:lstStyle>
-            <a:extLst/>
-          </a:lstStyle>
+          <a:lstStyle/>
           <a:p>
             <a:fld id="{B6F15528-21DE-4FAA-801E-634DDDAF4B2B}" type="slidenum">
               <a:rPr lang="en-US" smtClean="0"/>
@@ -3162,10 +3129,9 @@
           </a:lstStyle>
           <a:p>
             <a:r>
-              <a:rPr kumimoji="0" lang="en-US" smtClean="0"/>
+              <a:rPr kumimoji="0" lang="en-US"/>
               <a:t>Click to edit Master title style</a:t>
             </a:r>
-            <a:endParaRPr kumimoji="0" lang="en-US"/>
           </a:p>
         </p:txBody>
       </p:sp>
@@ -3213,7 +3179,7 @@
           <a:p>
             <a:pPr lvl="0" eaLnBrk="1" latinLnBrk="0" hangingPunct="1"/>
             <a:r>
-              <a:rPr kumimoji="0" lang="en-US" smtClean="0"/>
+              <a:rPr kumimoji="0" lang="en-US"/>
               <a:t>Click to edit Master text styles</a:t>
             </a:r>
           </a:p>
@@ -3258,35 +3224,35 @@
           <a:p>
             <a:pPr lvl="0" eaLnBrk="1" latinLnBrk="0" hangingPunct="1"/>
             <a:r>
-              <a:rPr lang="en-US" smtClean="0"/>
+              <a:rPr lang="en-US"/>
               <a:t>Click to edit Master text styles</a:t>
             </a:r>
           </a:p>
           <a:p>
             <a:pPr lvl="1" eaLnBrk="1" latinLnBrk="0" hangingPunct="1"/>
             <a:r>
-              <a:rPr lang="en-US" smtClean="0"/>
+              <a:rPr lang="en-US"/>
               <a:t>Second level</a:t>
             </a:r>
           </a:p>
           <a:p>
             <a:pPr lvl="2" eaLnBrk="1" latinLnBrk="0" hangingPunct="1"/>
             <a:r>
-              <a:rPr lang="en-US" smtClean="0"/>
+              <a:rPr lang="en-US"/>
               <a:t>Third level</a:t>
             </a:r>
           </a:p>
           <a:p>
             <a:pPr lvl="3" eaLnBrk="1" latinLnBrk="0" hangingPunct="1"/>
             <a:r>
-              <a:rPr lang="en-US" smtClean="0"/>
+              <a:rPr lang="en-US"/>
               <a:t>Fourth level</a:t>
             </a:r>
           </a:p>
           <a:p>
             <a:pPr lvl="4" eaLnBrk="1" latinLnBrk="0" hangingPunct="1"/>
             <a:r>
-              <a:rPr lang="en-US" smtClean="0"/>
+              <a:rPr lang="en-US"/>
               <a:t>Fifth level</a:t>
             </a:r>
             <a:endParaRPr kumimoji="0" lang="en-US"/>
@@ -3311,14 +3277,12 @@
         </p:spPr>
         <p:txBody>
           <a:bodyPr/>
-          <a:lstStyle>
-            <a:extLst/>
-          </a:lstStyle>
+          <a:lstStyle/>
           <a:p>
             <a:fld id="{1D8BD707-D9CF-40AE-B4C6-C98DA3205C09}" type="datetimeFigureOut">
               <a:rPr lang="en-US" smtClean="0"/>
               <a:pPr/>
-              <a:t>10/30/2020</a:t>
+              <a:t>12/2/2025</a:t>
             </a:fld>
             <a:endParaRPr lang="en-US"/>
           </a:p>
@@ -3337,9 +3301,7 @@
         <p:spPr/>
         <p:txBody>
           <a:bodyPr/>
-          <a:lstStyle>
-            <a:extLst/>
-          </a:lstStyle>
+          <a:lstStyle/>
           <a:p>
             <a:endParaRPr lang="en-US"/>
           </a:p>
@@ -3358,9 +3320,7 @@
         <p:spPr/>
         <p:txBody>
           <a:bodyPr/>
-          <a:lstStyle>
-            <a:extLst/>
-          </a:lstStyle>
+          <a:lstStyle/>
           <a:p>
             <a:fld id="{B6F15528-21DE-4FAA-801E-634DDDAF4B2B}" type="slidenum">
               <a:rPr lang="en-US" smtClean="0"/>
@@ -3442,7 +3402,7 @@
           <a:p>
             <a:pPr lvl="0" eaLnBrk="1" latinLnBrk="0" hangingPunct="1"/>
             <a:r>
-              <a:rPr kumimoji="0" lang="en-US" smtClean="0"/>
+              <a:rPr kumimoji="0" lang="en-US"/>
               <a:t>Click to edit Master text styles</a:t>
             </a:r>
           </a:p>
@@ -3491,7 +3451,7 @@
           </a:lstStyle>
           <a:p>
             <a:r>
-              <a:rPr kumimoji="0" lang="en-US" smtClean="0"/>
+              <a:rPr kumimoji="0" lang="en-US"/>
               <a:t>Click icon to add picture</a:t>
             </a:r>
             <a:endParaRPr kumimoji="0" lang="en-US" dirty="0"/>
@@ -3525,7 +3485,7 @@
             <a:fld id="{1D8BD707-D9CF-40AE-B4C6-C98DA3205C09}" type="datetimeFigureOut">
               <a:rPr lang="en-US" smtClean="0"/>
               <a:pPr/>
-              <a:t>10/30/2020</a:t>
+              <a:t>12/2/2025</a:t>
             </a:fld>
             <a:endParaRPr lang="en-US"/>
           </a:p>
@@ -3638,10 +3598,9 @@
           </a:lstStyle>
           <a:p>
             <a:r>
-              <a:rPr kumimoji="0" lang="en-US" smtClean="0"/>
+              <a:rPr kumimoji="0" lang="en-US"/>
               <a:t>Click to edit Master title style</a:t>
             </a:r>
-            <a:endParaRPr kumimoji="0" lang="en-US"/>
           </a:p>
         </p:txBody>
       </p:sp>
@@ -3721,9 +3680,7 @@
         </p:spPr>
         <p:txBody>
           <a:bodyPr vert="horz" wrap="square" lIns="91440" tIns="45720" rIns="91440" bIns="45720" anchor="t" compatLnSpc="1"/>
-          <a:lstStyle>
-            <a:extLst/>
-          </a:lstStyle>
+          <a:lstStyle/>
           <a:p>
             <a:endParaRPr kumimoji="0" lang="en-US"/>
           </a:p>
@@ -3803,9 +3760,7 @@
         </p:spPr>
         <p:txBody>
           <a:bodyPr vert="horz" wrap="square" lIns="91440" tIns="45720" rIns="91440" bIns="45720" anchor="t" compatLnSpc="1"/>
-          <a:lstStyle>
-            <a:extLst/>
-          </a:lstStyle>
+          <a:lstStyle/>
           <a:p>
             <a:endParaRPr kumimoji="0" lang="en-US"/>
           </a:p>
@@ -3913,9 +3868,7 @@
         </p:style>
         <p:txBody>
           <a:bodyPr vert="horz" wrap="square" lIns="91440" tIns="45720" rIns="91440" bIns="45720" anchor="ctr" compatLnSpc="1"/>
-          <a:lstStyle>
-            <a:extLst/>
-          </a:lstStyle>
+          <a:lstStyle/>
           <a:p>
             <a:pPr algn="ctr" eaLnBrk="1" latinLnBrk="0" hangingPunct="1"/>
             <a:endParaRPr kumimoji="0" lang="en-US"/>
@@ -4046,9 +3999,7 @@
         </p:style>
         <p:txBody>
           <a:bodyPr anchor="ctr"/>
-          <a:lstStyle>
-            <a:extLst/>
-          </a:lstStyle>
+          <a:lstStyle/>
           <a:p>
             <a:pPr algn="l" eaLnBrk="1" latinLnBrk="0" hangingPunct="1"/>
             <a:endParaRPr kumimoji="0" lang="en-US"/>
@@ -4126,9 +4077,7 @@
         </p:style>
         <p:txBody>
           <a:bodyPr anchor="ctr"/>
-          <a:lstStyle>
-            <a:extLst/>
-          </a:lstStyle>
+          <a:lstStyle/>
           <a:p>
             <a:pPr algn="l" eaLnBrk="1" latinLnBrk="0" hangingPunct="1"/>
             <a:endParaRPr kumimoji="0" lang="en-US"/>
@@ -4241,9 +4190,7 @@
         </p:spPr>
         <p:txBody>
           <a:bodyPr vert="horz" wrap="square" lIns="91440" tIns="45720" rIns="91440" bIns="45720" anchor="t" compatLnSpc="1"/>
-          <a:lstStyle>
-            <a:extLst/>
-          </a:lstStyle>
+          <a:lstStyle/>
           <a:p>
             <a:endParaRPr kumimoji="0" lang="en-US"/>
           </a:p>
@@ -4323,9 +4270,7 @@
         </p:spPr>
         <p:txBody>
           <a:bodyPr vert="horz" wrap="square" lIns="91440" tIns="45720" rIns="91440" bIns="45720" anchor="t" compatLnSpc="1"/>
-          <a:lstStyle>
-            <a:extLst/>
-          </a:lstStyle>
+          <a:lstStyle/>
           <a:p>
             <a:endParaRPr kumimoji="0" lang="en-US"/>
           </a:p>
@@ -4433,9 +4378,7 @@
         </p:style>
         <p:txBody>
           <a:bodyPr vert="horz" wrap="square" lIns="91440" tIns="45720" rIns="91440" bIns="45720" anchor="ctr" compatLnSpc="1"/>
-          <a:lstStyle>
-            <a:extLst/>
-          </a:lstStyle>
+          <a:lstStyle/>
           <a:p>
             <a:pPr algn="ctr" eaLnBrk="1" latinLnBrk="0" hangingPunct="1"/>
             <a:endParaRPr kumimoji="0" lang="en-US"/>
@@ -4525,15 +4468,12 @@
               <a:bevelT w="25400" h="25400"/>
             </a:sp3d>
           </a:bodyPr>
-          <a:lstStyle>
-            <a:extLst/>
-          </a:lstStyle>
-          <a:p>
-            <a:r>
-              <a:rPr kumimoji="0" lang="en-US" smtClean="0"/>
+          <a:lstStyle/>
+          <a:p>
+            <a:r>
+              <a:rPr kumimoji="0" lang="en-US"/>
               <a:t>Click to edit Master title style</a:t>
             </a:r>
-            <a:endParaRPr kumimoji="0" lang="en-US"/>
           </a:p>
         </p:txBody>
       </p:sp>
@@ -4560,44 +4500,41 @@
           <a:bodyPr vert="horz">
             <a:normAutofit/>
           </a:bodyPr>
-          <a:lstStyle>
-            <a:extLst/>
-          </a:lstStyle>
+          <a:lstStyle/>
           <a:p>
             <a:pPr lvl="0" eaLnBrk="1" latinLnBrk="0" hangingPunct="1"/>
             <a:r>
-              <a:rPr kumimoji="0" lang="en-US" smtClean="0"/>
+              <a:rPr kumimoji="0" lang="en-US"/>
               <a:t>Click to edit Master text styles</a:t>
             </a:r>
           </a:p>
           <a:p>
             <a:pPr lvl="1" eaLnBrk="1" latinLnBrk="0" hangingPunct="1"/>
             <a:r>
-              <a:rPr kumimoji="0" lang="en-US" smtClean="0"/>
+              <a:rPr kumimoji="0" lang="en-US"/>
               <a:t>Second level</a:t>
             </a:r>
           </a:p>
           <a:p>
             <a:pPr lvl="2" eaLnBrk="1" latinLnBrk="0" hangingPunct="1"/>
             <a:r>
-              <a:rPr kumimoji="0" lang="en-US" smtClean="0"/>
+              <a:rPr kumimoji="0" lang="en-US"/>
               <a:t>Third level</a:t>
             </a:r>
           </a:p>
           <a:p>
             <a:pPr lvl="3" eaLnBrk="1" latinLnBrk="0" hangingPunct="1"/>
             <a:r>
-              <a:rPr kumimoji="0" lang="en-US" smtClean="0"/>
+              <a:rPr kumimoji="0" lang="en-US"/>
               <a:t>Fourth level</a:t>
             </a:r>
           </a:p>
           <a:p>
             <a:pPr lvl="4" eaLnBrk="1" latinLnBrk="0" hangingPunct="1"/>
             <a:r>
-              <a:rPr kumimoji="0" lang="en-US" smtClean="0"/>
+              <a:rPr kumimoji="0" lang="en-US"/>
               <a:t>Fifth level</a:t>
             </a:r>
-            <a:endParaRPr kumimoji="0" lang="en-US"/>
           </a:p>
         </p:txBody>
       </p:sp>
@@ -4636,7 +4573,7 @@
             <a:fld id="{1D8BD707-D9CF-40AE-B4C6-C98DA3205C09}" type="datetimeFigureOut">
               <a:rPr lang="en-US" smtClean="0"/>
               <a:pPr/>
-              <a:t>10/30/2020</a:t>
+              <a:t>12/2/2025</a:t>
             </a:fld>
             <a:endParaRPr lang="en-US"/>
           </a:p>
@@ -5068,7 +5005,7 @@
               <a:buFont typeface="Wingdings 2" pitchFamily="18" charset="2"/>
               <a:buNone/>
             </a:pPr>
-            <a:endParaRPr lang="en-US" sz="1600" b="1" dirty="0" smtClean="0">
+            <a:endParaRPr lang="en-US" sz="1600" b="1" dirty="0">
               <a:cs typeface="Arial" charset="0"/>
             </a:endParaRPr>
           </a:p>
@@ -5078,7 +5015,7 @@
               <a:buNone/>
             </a:pPr>
             <a:r>
-              <a:rPr lang="en-US" sz="2000" b="1" dirty="0" smtClean="0">
+              <a:rPr lang="en-US" sz="2000" b="1" dirty="0">
                 <a:cs typeface="Arial" charset="0"/>
               </a:rPr>
               <a:t>Lecture</a:t>
@@ -5090,13 +5027,13 @@
               <a:buNone/>
             </a:pPr>
             <a:r>
-              <a:rPr lang="en-US" sz="2000" b="1" dirty="0" smtClean="0">
+              <a:rPr lang="en-US" sz="2000" b="1" dirty="0">
                 <a:cs typeface="Arial" charset="0"/>
               </a:rPr>
               <a:t>on</a:t>
             </a:r>
             <a:r>
-              <a:rPr lang="en-US" sz="2000" dirty="0" smtClean="0">
+              <a:rPr lang="en-US" sz="2000" dirty="0">
                 <a:cs typeface="Arial" charset="0"/>
               </a:rPr>
               <a:t> </a:t>
@@ -5108,7 +5045,7 @@
               <a:buNone/>
             </a:pPr>
             <a:r>
-              <a:rPr lang="en-US" dirty="0" smtClean="0">
+              <a:rPr lang="en-US" dirty="0">
                 <a:cs typeface="Arial" charset="0"/>
               </a:rPr>
               <a:t>“Advanced Computer Architecture –TCS 704”</a:t>
@@ -5120,7 +5057,7 @@
               <a:buNone/>
             </a:pPr>
             <a:r>
-              <a:rPr lang="en-US" sz="2000" dirty="0" smtClean="0">
+              <a:rPr lang="en-US" sz="2000" dirty="0">
                 <a:cs typeface="Arial" charset="0"/>
               </a:rPr>
               <a:t>by</a:t>
@@ -5132,24 +5069,24 @@
               <a:buNone/>
             </a:pPr>
             <a:r>
-              <a:rPr lang="en-US" sz="2000" b="1" i="1" dirty="0" err="1" smtClean="0">
+              <a:rPr lang="en-US" sz="2000" b="1" i="1" dirty="0" err="1">
                 <a:cs typeface="Arial" charset="0"/>
               </a:rPr>
               <a:t>A</a:t>
             </a:r>
             <a:r>
-              <a:rPr lang="en-US" sz="2000" b="1" dirty="0" err="1" smtClean="0">
+              <a:rPr lang="en-US" sz="2000" b="1" dirty="0" err="1">
                 <a:cs typeface="Arial" charset="0"/>
               </a:rPr>
               <a:t>kansha</a:t>
             </a:r>
             <a:r>
-              <a:rPr lang="en-US" sz="2000" b="1" dirty="0" smtClean="0">
+              <a:rPr lang="en-US" sz="2000" b="1" dirty="0">
                 <a:cs typeface="Arial" charset="0"/>
               </a:rPr>
               <a:t> Gupta</a:t>
             </a:r>
-            <a:endParaRPr lang="en-US" sz="2000" dirty="0" smtClean="0">
+            <a:endParaRPr lang="en-US" sz="2000" dirty="0">
               <a:cs typeface="Arial" charset="0"/>
             </a:endParaRPr>
           </a:p>
@@ -5159,7 +5096,7 @@
               <a:buNone/>
             </a:pPr>
             <a:r>
-              <a:rPr lang="en-US" sz="2000" b="1" dirty="0" smtClean="0">
+              <a:rPr lang="en-US" sz="2000" b="1" dirty="0">
                 <a:cs typeface="Arial" charset="0"/>
               </a:rPr>
               <a:t> </a:t>
@@ -5170,7 +5107,7 @@
               <a:buFont typeface="Wingdings 2" pitchFamily="18" charset="2"/>
               <a:buNone/>
             </a:pPr>
-            <a:endParaRPr lang="en-US" sz="2000" b="1" dirty="0" smtClean="0">
+            <a:endParaRPr lang="en-US" sz="2000" b="1" dirty="0">
               <a:cs typeface="Arial" charset="0"/>
             </a:endParaRPr>
           </a:p>
@@ -5179,7 +5116,7 @@
               <a:buFont typeface="Wingdings 2" pitchFamily="18" charset="2"/>
               <a:buNone/>
             </a:pPr>
-            <a:endParaRPr lang="en-US" sz="2000" b="1" dirty="0" smtClean="0">
+            <a:endParaRPr lang="en-US" sz="2000" b="1" dirty="0">
               <a:cs typeface="Arial" charset="0"/>
             </a:endParaRPr>
           </a:p>
@@ -5188,7 +5125,7 @@
               <a:buFont typeface="Wingdings 2" pitchFamily="18" charset="2"/>
               <a:buNone/>
             </a:pPr>
-            <a:endParaRPr lang="en-US" sz="2000" b="1" dirty="0" smtClean="0">
+            <a:endParaRPr lang="en-US" sz="2000" b="1" dirty="0">
               <a:cs typeface="Arial" charset="0"/>
             </a:endParaRPr>
           </a:p>
@@ -5197,7 +5134,7 @@
               <a:buFont typeface="Wingdings 2" pitchFamily="18" charset="2"/>
               <a:buNone/>
             </a:pPr>
-            <a:endParaRPr lang="en-US" sz="2000" b="1" dirty="0" smtClean="0">
+            <a:endParaRPr lang="en-US" sz="2000" b="1" dirty="0">
               <a:cs typeface="Arial" charset="0"/>
             </a:endParaRPr>
           </a:p>
@@ -5206,7 +5143,7 @@
               <a:buFont typeface="Wingdings 2" pitchFamily="18" charset="2"/>
               <a:buNone/>
             </a:pPr>
-            <a:endParaRPr lang="en-US" sz="2000" b="1" dirty="0" smtClean="0">
+            <a:endParaRPr lang="en-US" sz="2000" b="1" dirty="0">
               <a:cs typeface="Arial" charset="0"/>
             </a:endParaRPr>
           </a:p>
@@ -5216,12 +5153,12 @@
               <a:buNone/>
             </a:pPr>
             <a:r>
-              <a:rPr lang="en-US" sz="2000" b="1" dirty="0" smtClean="0">
+              <a:rPr lang="en-US" sz="2000" b="1" dirty="0">
                 <a:cs typeface="Arial" charset="0"/>
               </a:rPr>
               <a:t>DEPARTMENT OF COMPUTER SCIENCE AND ENGINEERING</a:t>
             </a:r>
-            <a:endParaRPr lang="en-US" sz="2000" dirty="0" smtClean="0">
+            <a:endParaRPr lang="en-US" sz="2000" dirty="0">
               <a:cs typeface="Arial" charset="0"/>
             </a:endParaRPr>
           </a:p>
@@ -5231,7 +5168,7 @@
               <a:buNone/>
             </a:pPr>
             <a:r>
-              <a:rPr lang="en-US" sz="2000" dirty="0" smtClean="0">
+              <a:rPr lang="en-US" sz="2000" dirty="0">
                 <a:cs typeface="Arial" charset="0"/>
               </a:rPr>
               <a:t>GRAPHIC ERA DEEMED TO BE UNIVERSITY – 248002</a:t>
@@ -5242,7 +5179,7 @@
               <a:buFont typeface="Wingdings 2" pitchFamily="18" charset="2"/>
               <a:buNone/>
             </a:pPr>
-            <a:endParaRPr lang="en-US" sz="1600" dirty="0" smtClean="0"/>
+            <a:endParaRPr lang="en-US" sz="1600" dirty="0"/>
           </a:p>
         </p:txBody>
       </p:sp>
@@ -5283,13 +5220,6 @@
   <p:clrMapOvr>
     <a:masterClrMapping/>
   </p:clrMapOvr>
-  <p:timing>
-    <p:tnLst>
-      <p:par>
-        <p:cTn id="1" dur="indefinite" restart="never" nodeType="tmRoot"/>
-      </p:par>
-    </p:tnLst>
-  </p:timing>
 </p:sld>
 </file>
 
@@ -5336,7 +5266,7 @@
               <a:buNone/>
             </a:pPr>
             <a:r>
-              <a:rPr lang="en-US" dirty="0" smtClean="0"/>
+              <a:rPr lang="en-US" dirty="0"/>
               <a:t>Conditional branches still comprise about 20% of instructions Correct predictions are more important today </a:t>
             </a:r>
           </a:p>
@@ -5345,11 +5275,11 @@
               <a:buNone/>
             </a:pPr>
             <a:r>
-              <a:rPr lang="en-US" dirty="0" smtClean="0"/>
+              <a:rPr lang="en-US" dirty="0"/>
               <a:t>		• </a:t>
             </a:r>
             <a:r>
-              <a:rPr lang="en-US" dirty="0" smtClean="0">
+              <a:rPr lang="en-US" dirty="0">
                 <a:solidFill>
                   <a:srgbClr val="00B050"/>
                 </a:solidFill>
@@ -5362,11 +5292,11 @@
               <a:buNone/>
             </a:pPr>
             <a:r>
-              <a:rPr lang="en-US" dirty="0" smtClean="0"/>
+              <a:rPr lang="en-US" dirty="0"/>
               <a:t>		branch not resolved until more cycles from fetching therefore the </a:t>
             </a:r>
             <a:r>
-              <a:rPr lang="en-US" dirty="0" err="1" smtClean="0">
+              <a:rPr lang="en-US" dirty="0" err="1">
                 <a:solidFill>
                   <a:srgbClr val="FF0000"/>
                 </a:solidFill>
@@ -5374,7 +5304,7 @@
               <a:t>misprediction</a:t>
             </a:r>
             <a:r>
-              <a:rPr lang="en-US" dirty="0" smtClean="0">
+              <a:rPr lang="en-US" dirty="0">
                 <a:solidFill>
                   <a:srgbClr val="FF0000"/>
                 </a:solidFill>
@@ -5382,7 +5312,7 @@
               <a:t> penalty </a:t>
             </a:r>
             <a:r>
-              <a:rPr lang="en-US" dirty="0" smtClean="0"/>
+              <a:rPr lang="en-US" dirty="0"/>
               <a:t>greater </a:t>
             </a:r>
           </a:p>
@@ -5391,7 +5321,7 @@
               <a:buNone/>
             </a:pPr>
             <a:r>
-              <a:rPr lang="en-US" dirty="0" smtClean="0"/>
+              <a:rPr lang="en-US" dirty="0"/>
               <a:t>			• cycle times smaller: more emphasis on throughput (performance) </a:t>
             </a:r>
           </a:p>
@@ -5400,7 +5330,7 @@
               <a:buNone/>
             </a:pPr>
             <a:r>
-              <a:rPr lang="en-US" dirty="0" smtClean="0"/>
+              <a:rPr lang="en-US" dirty="0"/>
               <a:t>			• more functionality between fetch &amp; execute </a:t>
             </a:r>
           </a:p>
@@ -5409,11 +5339,11 @@
               <a:buNone/>
             </a:pPr>
             <a:r>
-              <a:rPr lang="en-US" dirty="0" smtClean="0"/>
+              <a:rPr lang="en-US" dirty="0"/>
               <a:t>		• </a:t>
             </a:r>
             <a:r>
-              <a:rPr lang="en-US" dirty="0" smtClean="0">
+              <a:rPr lang="en-US" dirty="0">
                 <a:solidFill>
                   <a:srgbClr val="00B050"/>
                 </a:solidFill>
@@ -5421,7 +5351,7 @@
               <a:t>multiple instruction issue </a:t>
             </a:r>
             <a:r>
-              <a:rPr lang="en-US" dirty="0" smtClean="0"/>
+              <a:rPr lang="en-US" dirty="0"/>
               <a:t>(superscalar &amp; VLIW)</a:t>
             </a:r>
           </a:p>
@@ -5430,7 +5360,7 @@
               <a:buNone/>
             </a:pPr>
             <a:r>
-              <a:rPr lang="en-US" dirty="0" smtClean="0"/>
+              <a:rPr lang="en-US" dirty="0"/>
               <a:t>		 branch occurs almost every cycle </a:t>
             </a:r>
           </a:p>
@@ -5439,15 +5369,15 @@
               <a:buNone/>
             </a:pPr>
             <a:r>
-              <a:rPr lang="en-US" dirty="0" smtClean="0"/>
+              <a:rPr lang="en-US" dirty="0"/>
               <a:t>			• flushing &amp; </a:t>
             </a:r>
             <a:r>
-              <a:rPr lang="en-US" dirty="0" err="1" smtClean="0"/>
+              <a:rPr lang="en-US" dirty="0" err="1"/>
               <a:t>refetching</a:t>
             </a:r>
             <a:r>
-              <a:rPr lang="en-US" dirty="0" smtClean="0"/>
+              <a:rPr lang="en-US" dirty="0"/>
               <a:t> more instructions </a:t>
             </a:r>
           </a:p>
@@ -5456,11 +5386,11 @@
               <a:buNone/>
             </a:pPr>
             <a:r>
-              <a:rPr lang="en-US" dirty="0" smtClean="0"/>
+              <a:rPr lang="en-US" dirty="0"/>
               <a:t>		• </a:t>
             </a:r>
             <a:r>
-              <a:rPr lang="en-US" dirty="0" smtClean="0">
+              <a:rPr lang="en-US" dirty="0">
                 <a:solidFill>
                   <a:srgbClr val="00B050"/>
                 </a:solidFill>
@@ -5473,7 +5403,7 @@
               <a:buNone/>
             </a:pPr>
             <a:r>
-              <a:rPr lang="en-US" dirty="0" smtClean="0"/>
+              <a:rPr lang="en-US" dirty="0"/>
               <a:t>			more indirect branches which harder to predict </a:t>
             </a:r>
           </a:p>
@@ -5482,11 +5412,11 @@
               <a:buNone/>
             </a:pPr>
             <a:r>
-              <a:rPr lang="en-US" dirty="0" smtClean="0"/>
+              <a:rPr lang="en-US" dirty="0"/>
               <a:t>		• </a:t>
             </a:r>
             <a:r>
-              <a:rPr lang="en-US" dirty="0" smtClean="0">
+              <a:rPr lang="en-US" dirty="0">
                 <a:solidFill>
                   <a:srgbClr val="00B050"/>
                 </a:solidFill>
@@ -5499,7 +5429,7 @@
               <a:buNone/>
             </a:pPr>
             <a:r>
-              <a:rPr lang="en-US" dirty="0" smtClean="0"/>
+              <a:rPr lang="en-US" dirty="0"/>
               <a:t>			other forms of pipeline stalling are being addressed so the portion of CPI due to branch delays is relatively larger </a:t>
             </a:r>
           </a:p>
@@ -5508,10 +5438,9 @@
               <a:buNone/>
             </a:pPr>
             <a:r>
-              <a:rPr lang="en-US" dirty="0" smtClean="0"/>
+              <a:rPr lang="en-US" dirty="0"/>
               <a:t>All this means that the potential stalling due to branches is greater</a:t>
             </a:r>
-            <a:endParaRPr lang="en-US" dirty="0"/>
           </a:p>
         </p:txBody>
       </p:sp>
@@ -5538,10 +5467,9 @@
           <a:lstStyle/>
           <a:p>
             <a:r>
-              <a:rPr lang="en-US" dirty="0" smtClean="0"/>
+              <a:rPr lang="en-US" dirty="0"/>
               <a:t>Branch Prediction is More Important Today</a:t>
             </a:r>
-            <a:endParaRPr lang="en-US" dirty="0"/>
           </a:p>
         </p:txBody>
       </p:sp>
@@ -5591,7 +5519,7 @@
               <a:buNone/>
             </a:pPr>
             <a:r>
-              <a:rPr lang="en-US" dirty="0" smtClean="0">
+              <a:rPr lang="en-US" dirty="0">
                 <a:solidFill>
                   <a:srgbClr val="FF0000"/>
                 </a:solidFill>
@@ -5599,7 +5527,7 @@
               <a:t>1: Improve the prediction</a:t>
             </a:r>
             <a:r>
-              <a:rPr lang="en-US" dirty="0" smtClean="0"/>
+              <a:rPr lang="en-US" dirty="0"/>
               <a:t> </a:t>
             </a:r>
           </a:p>
@@ -5608,7 +5536,7 @@
               <a:buNone/>
             </a:pPr>
             <a:r>
-              <a:rPr lang="en-US" dirty="0" smtClean="0"/>
+              <a:rPr lang="en-US" dirty="0"/>
               <a:t>	• correlated (2-level) predictor (Pentiums) </a:t>
             </a:r>
           </a:p>
@@ -5617,7 +5545,7 @@
               <a:buNone/>
             </a:pPr>
             <a:r>
-              <a:rPr lang="en-US" dirty="0" smtClean="0"/>
+              <a:rPr lang="en-US" dirty="0"/>
               <a:t>	• hybrid local/global predictor (Alpha) </a:t>
             </a:r>
           </a:p>
@@ -5626,7 +5554,7 @@
               <a:buNone/>
             </a:pPr>
             <a:r>
-              <a:rPr lang="en-US" dirty="0" smtClean="0">
+              <a:rPr lang="en-US" dirty="0">
                 <a:solidFill>
                   <a:srgbClr val="FF0000"/>
                 </a:solidFill>
@@ -5639,7 +5567,7 @@
               <a:buNone/>
             </a:pPr>
             <a:r>
-              <a:rPr lang="en-US" dirty="0" smtClean="0"/>
+              <a:rPr lang="en-US" dirty="0"/>
               <a:t>	• branch target buffer (Pentium, Itanium) </a:t>
             </a:r>
           </a:p>
@@ -5648,15 +5576,15 @@
               <a:buNone/>
             </a:pPr>
             <a:r>
-              <a:rPr lang="en-US" dirty="0" smtClean="0"/>
+              <a:rPr lang="en-US" dirty="0"/>
               <a:t>	• next address in I-cache (Alpha, </a:t>
             </a:r>
             <a:r>
-              <a:rPr lang="en-US" dirty="0" err="1" smtClean="0"/>
+              <a:rPr lang="en-US" dirty="0" err="1"/>
               <a:t>UltraSPARC</a:t>
             </a:r>
             <a:r>
-              <a:rPr lang="en-US" dirty="0" smtClean="0"/>
+              <a:rPr lang="en-US" dirty="0"/>
               <a:t>) </a:t>
             </a:r>
           </a:p>
@@ -5665,7 +5593,7 @@
               <a:buNone/>
             </a:pPr>
             <a:r>
-              <a:rPr lang="en-US" dirty="0" smtClean="0"/>
+              <a:rPr lang="en-US" dirty="0"/>
               <a:t>	• return address stack (everybody) </a:t>
             </a:r>
           </a:p>
@@ -5674,7 +5602,7 @@
               <a:buNone/>
             </a:pPr>
             <a:r>
-              <a:rPr lang="en-US" dirty="0" smtClean="0">
+              <a:rPr lang="en-US" dirty="0">
                 <a:solidFill>
                   <a:srgbClr val="FF0000"/>
                 </a:solidFill>
@@ -5682,7 +5610,7 @@
               <a:t>3: Reduce </a:t>
             </a:r>
             <a:r>
-              <a:rPr lang="en-US" dirty="0" err="1" smtClean="0">
+              <a:rPr lang="en-US" dirty="0" err="1">
                 <a:solidFill>
                   <a:srgbClr val="FF0000"/>
                 </a:solidFill>
@@ -5690,7 +5618,7 @@
               <a:t>misprediction</a:t>
             </a:r>
             <a:r>
-              <a:rPr lang="en-US" dirty="0" smtClean="0">
+              <a:rPr lang="en-US" dirty="0">
                 <a:solidFill>
                   <a:srgbClr val="FF0000"/>
                 </a:solidFill>
@@ -5703,7 +5631,7 @@
               <a:buNone/>
             </a:pPr>
             <a:r>
-              <a:rPr lang="en-US" dirty="0" smtClean="0"/>
+              <a:rPr lang="en-US" dirty="0"/>
               <a:t>	• fetch both instruction streams (IBM mainframes) </a:t>
             </a:r>
           </a:p>
@@ -5712,7 +5640,7 @@
               <a:buNone/>
             </a:pPr>
             <a:r>
-              <a:rPr lang="en-US" dirty="0" smtClean="0">
+              <a:rPr lang="en-US" dirty="0">
                 <a:solidFill>
                   <a:srgbClr val="FF0000"/>
                 </a:solidFill>
@@ -5725,10 +5653,9 @@
               <a:buNone/>
             </a:pPr>
             <a:r>
-              <a:rPr lang="en-US" dirty="0" smtClean="0"/>
+              <a:rPr lang="en-US" dirty="0"/>
               <a:t>	• predicated execution (Itanium)</a:t>
             </a:r>
-            <a:endParaRPr lang="en-US" dirty="0"/>
           </a:p>
         </p:txBody>
       </p:sp>
@@ -5748,10 +5675,9 @@
           <a:lstStyle/>
           <a:p>
             <a:r>
-              <a:rPr lang="en-US" dirty="0" smtClean="0"/>
+              <a:rPr lang="en-US" dirty="0"/>
               <a:t>Directions in Branch Prediction</a:t>
             </a:r>
-            <a:endParaRPr lang="en-US" dirty="0"/>
           </a:p>
         </p:txBody>
       </p:sp>
@@ -5804,7 +5730,7 @@
           <a:p>
             <a:pPr algn="ctr"/>
             <a:r>
-              <a:rPr lang="en-US" sz="5400" b="1" cap="none" spc="0" dirty="0" smtClean="0">
+              <a:rPr lang="en-US" sz="5400" b="1" cap="none" spc="0" dirty="0">
                 <a:ln w="10541" cmpd="sng">
                   <a:solidFill>
                     <a:schemeClr val="accent1">
@@ -5853,6 +5779,134 @@
               </a:rPr>
               <a:t>THANKS</a:t>
             </a:r>
+          </a:p>
+        </p:txBody>
+      </p:sp>
+      <p:sp>
+        <p:nvSpPr>
+          <p:cNvPr id="3" name="Rectangle 2"/>
+          <p:cNvSpPr/>
+          <p:nvPr/>
+        </p:nvSpPr>
+        <p:spPr>
+          <a:xfrm>
+            <a:off x="1219200" y="849868"/>
+            <a:ext cx="3613490" cy="369332"/>
+          </a:xfrm>
+          <a:prstGeom prst="rect">
+            <a:avLst/>
+          </a:prstGeom>
+        </p:spPr>
+        <p:txBody>
+          <a:bodyPr wrap="none">
+            <a:spAutoFit/>
+          </a:bodyPr>
+          <a:lstStyle/>
+          <a:p>
+            <a:r>
+              <a:rPr lang="en-US" dirty="0"/>
+              <a:t>https://youtu.be/55PiIQD1iGY</a:t>
+            </a:r>
+          </a:p>
+        </p:txBody>
+      </p:sp>
+    </p:spTree>
+  </p:cSld>
+  <p:clrMapOvr>
+    <a:masterClrMapping/>
+  </p:clrMapOvr>
+</p:sld>
+</file>
+
+<file path=ppt/slides/slide2.xml><?xml version="1.0" encoding="utf-8"?>
+<p:sld xmlns:a="http://schemas.openxmlformats.org/drawingml/2006/main" xmlns:r="http://schemas.openxmlformats.org/officeDocument/2006/relationships" xmlns:p="http://schemas.openxmlformats.org/presentationml/2006/main">
+  <p:cSld>
+    <p:spTree>
+      <p:nvGrpSpPr>
+        <p:cNvPr id="1" name=""/>
+        <p:cNvGrpSpPr/>
+        <p:nvPr/>
+      </p:nvGrpSpPr>
+      <p:grpSpPr>
+        <a:xfrm>
+          <a:off x="0" y="0"/>
+          <a:ext cx="0" cy="0"/>
+          <a:chOff x="0" y="0"/>
+          <a:chExt cx="0" cy="0"/>
+        </a:xfrm>
+      </p:grpSpPr>
+      <p:sp>
+        <p:nvSpPr>
+          <p:cNvPr id="4" name="Rectangle 3"/>
+          <p:cNvSpPr/>
+          <p:nvPr/>
+        </p:nvSpPr>
+        <p:spPr>
+          <a:xfrm>
+            <a:off x="914400" y="1524000"/>
+            <a:ext cx="6340389" cy="923330"/>
+          </a:xfrm>
+          <a:prstGeom prst="rect">
+            <a:avLst/>
+          </a:prstGeom>
+          <a:noFill/>
+        </p:spPr>
+        <p:txBody>
+          <a:bodyPr wrap="none" lIns="91440" tIns="45720" rIns="91440" bIns="45720">
+            <a:spAutoFit/>
+          </a:bodyPr>
+          <a:lstStyle/>
+          <a:p>
+            <a:pPr algn="ctr"/>
+            <a:r>
+              <a:rPr lang="en-US" sz="5400" b="1" dirty="0">
+                <a:ln w="10541" cmpd="sng">
+                  <a:solidFill>
+                    <a:schemeClr val="accent1">
+                      <a:shade val="88000"/>
+                      <a:satMod val="110000"/>
+                    </a:schemeClr>
+                  </a:solidFill>
+                  <a:prstDash val="solid"/>
+                </a:ln>
+                <a:gradFill>
+                  <a:gsLst>
+                    <a:gs pos="0">
+                      <a:schemeClr val="accent1">
+                        <a:tint val="40000"/>
+                        <a:satMod val="250000"/>
+                      </a:schemeClr>
+                    </a:gs>
+                    <a:gs pos="9000">
+                      <a:schemeClr val="accent1">
+                        <a:tint val="52000"/>
+                        <a:satMod val="300000"/>
+                      </a:schemeClr>
+                    </a:gs>
+                    <a:gs pos="50000">
+                      <a:schemeClr val="accent1">
+                        <a:shade val="20000"/>
+                        <a:satMod val="300000"/>
+                      </a:schemeClr>
+                    </a:gs>
+                    <a:gs pos="79000">
+                      <a:schemeClr val="accent1">
+                        <a:tint val="52000"/>
+                        <a:satMod val="300000"/>
+                      </a:schemeClr>
+                    </a:gs>
+                    <a:gs pos="100000">
+                      <a:schemeClr val="accent1">
+                        <a:tint val="40000"/>
+                        <a:satMod val="250000"/>
+                      </a:schemeClr>
+                    </a:gs>
+                  </a:gsLst>
+                  <a:lin ang="5400000"/>
+                </a:gradFill>
+              </a:rPr>
+              <a:t>BRANCH PREDICTION</a:t>
+            </a:r>
             <a:endParaRPr lang="en-US" sz="5400" b="1" cap="none" spc="0" dirty="0">
               <a:ln w="10541" cmpd="sng">
                 <a:solidFill>
@@ -5903,182 +5957,6 @@
           </a:p>
         </p:txBody>
       </p:sp>
-      <p:sp>
-        <p:nvSpPr>
-          <p:cNvPr id="3" name="Rectangle 2"/>
-          <p:cNvSpPr/>
-          <p:nvPr/>
-        </p:nvSpPr>
-        <p:spPr>
-          <a:xfrm>
-            <a:off x="1219200" y="849868"/>
-            <a:ext cx="3613490" cy="369332"/>
-          </a:xfrm>
-          <a:prstGeom prst="rect">
-            <a:avLst/>
-          </a:prstGeom>
-        </p:spPr>
-        <p:txBody>
-          <a:bodyPr wrap="none">
-            <a:spAutoFit/>
-          </a:bodyPr>
-          <a:lstStyle/>
-          <a:p>
-            <a:r>
-              <a:rPr lang="en-US" dirty="0" smtClean="0"/>
-              <a:t>https://youtu.be/55PiIQD1iGY</a:t>
-            </a:r>
-            <a:endParaRPr lang="en-US" dirty="0"/>
-          </a:p>
-        </p:txBody>
-      </p:sp>
-    </p:spTree>
-  </p:cSld>
-  <p:clrMapOvr>
-    <a:masterClrMapping/>
-  </p:clrMapOvr>
-</p:sld>
-</file>
-
-<file path=ppt/slides/slide2.xml><?xml version="1.0" encoding="utf-8"?>
-<p:sld xmlns:a="http://schemas.openxmlformats.org/drawingml/2006/main" xmlns:r="http://schemas.openxmlformats.org/officeDocument/2006/relationships" xmlns:p="http://schemas.openxmlformats.org/presentationml/2006/main">
-  <p:cSld>
-    <p:spTree>
-      <p:nvGrpSpPr>
-        <p:cNvPr id="1" name=""/>
-        <p:cNvGrpSpPr/>
-        <p:nvPr/>
-      </p:nvGrpSpPr>
-      <p:grpSpPr>
-        <a:xfrm>
-          <a:off x="0" y="0"/>
-          <a:ext cx="0" cy="0"/>
-          <a:chOff x="0" y="0"/>
-          <a:chExt cx="0" cy="0"/>
-        </a:xfrm>
-      </p:grpSpPr>
-      <p:sp>
-        <p:nvSpPr>
-          <p:cNvPr id="4" name="Rectangle 3"/>
-          <p:cNvSpPr/>
-          <p:nvPr/>
-        </p:nvSpPr>
-        <p:spPr>
-          <a:xfrm>
-            <a:off x="914400" y="1524000"/>
-            <a:ext cx="6340389" cy="923330"/>
-          </a:xfrm>
-          <a:prstGeom prst="rect">
-            <a:avLst/>
-          </a:prstGeom>
-          <a:noFill/>
-        </p:spPr>
-        <p:txBody>
-          <a:bodyPr wrap="none" lIns="91440" tIns="45720" rIns="91440" bIns="45720">
-            <a:spAutoFit/>
-          </a:bodyPr>
-          <a:lstStyle/>
-          <a:p>
-            <a:pPr algn="ctr"/>
-            <a:r>
-              <a:rPr lang="en-US" sz="5400" b="1" dirty="0" smtClean="0">
-                <a:ln w="10541" cmpd="sng">
-                  <a:solidFill>
-                    <a:schemeClr val="accent1">
-                      <a:shade val="88000"/>
-                      <a:satMod val="110000"/>
-                    </a:schemeClr>
-                  </a:solidFill>
-                  <a:prstDash val="solid"/>
-                </a:ln>
-                <a:gradFill>
-                  <a:gsLst>
-                    <a:gs pos="0">
-                      <a:schemeClr val="accent1">
-                        <a:tint val="40000"/>
-                        <a:satMod val="250000"/>
-                      </a:schemeClr>
-                    </a:gs>
-                    <a:gs pos="9000">
-                      <a:schemeClr val="accent1">
-                        <a:tint val="52000"/>
-                        <a:satMod val="300000"/>
-                      </a:schemeClr>
-                    </a:gs>
-                    <a:gs pos="50000">
-                      <a:schemeClr val="accent1">
-                        <a:shade val="20000"/>
-                        <a:satMod val="300000"/>
-                      </a:schemeClr>
-                    </a:gs>
-                    <a:gs pos="79000">
-                      <a:schemeClr val="accent1">
-                        <a:tint val="52000"/>
-                        <a:satMod val="300000"/>
-                      </a:schemeClr>
-                    </a:gs>
-                    <a:gs pos="100000">
-                      <a:schemeClr val="accent1">
-                        <a:tint val="40000"/>
-                        <a:satMod val="250000"/>
-                      </a:schemeClr>
-                    </a:gs>
-                  </a:gsLst>
-                  <a:lin ang="5400000"/>
-                </a:gradFill>
-              </a:rPr>
-              <a:t>BRANCH PREDICTION</a:t>
-            </a:r>
-            <a:endParaRPr lang="en-US" sz="5400" b="1" cap="none" spc="0" dirty="0">
-              <a:ln w="10541" cmpd="sng">
-                <a:solidFill>
-                  <a:schemeClr val="accent1">
-                    <a:shade val="88000"/>
-                    <a:satMod val="110000"/>
-                  </a:schemeClr>
-                </a:solidFill>
-                <a:prstDash val="solid"/>
-              </a:ln>
-              <a:gradFill>
-                <a:gsLst>
-                  <a:gs pos="0">
-                    <a:schemeClr val="accent1">
-                      <a:tint val="40000"/>
-                      <a:satMod val="250000"/>
-                    </a:schemeClr>
-                  </a:gs>
-                  <a:gs pos="9000">
-                    <a:schemeClr val="accent1">
-                      <a:tint val="52000"/>
-                      <a:satMod val="300000"/>
-                    </a:schemeClr>
-                  </a:gs>
-                  <a:gs pos="50000">
-                    <a:schemeClr val="accent1">
-                      <a:shade val="20000"/>
-                      <a:satMod val="300000"/>
-                    </a:schemeClr>
-                  </a:gs>
-                  <a:gs pos="79000">
-                    <a:schemeClr val="accent1">
-                      <a:tint val="52000"/>
-                      <a:satMod val="300000"/>
-                    </a:schemeClr>
-                  </a:gs>
-                  <a:gs pos="100000">
-                    <a:schemeClr val="accent1">
-                      <a:tint val="40000"/>
-                      <a:satMod val="250000"/>
-                    </a:schemeClr>
-                  </a:gs>
-                </a:gsLst>
-                <a:lin ang="5400000"/>
-              </a:gradFill>
-              <a:effectLst/>
-            </a:endParaRPr>
-          </a:p>
-        </p:txBody>
-      </p:sp>
     </p:spTree>
   </p:cSld>
   <p:clrMapOvr>
@@ -6127,7 +6005,7 @@
           <a:lstStyle/>
           <a:p>
             <a:r>
-              <a:rPr lang="en-US" dirty="0" smtClean="0"/>
+              <a:rPr lang="en-US" dirty="0"/>
               <a:t>Resolve a branch hazard by predicting which path will be taken </a:t>
             </a:r>
           </a:p>
@@ -6136,7 +6014,7 @@
               <a:buNone/>
             </a:pPr>
             <a:r>
-              <a:rPr lang="en-US" dirty="0" smtClean="0"/>
+              <a:rPr lang="en-US" dirty="0"/>
               <a:t>• Execute under that assumption </a:t>
             </a:r>
           </a:p>
@@ -6145,7 +6023,7 @@
               <a:buNone/>
             </a:pPr>
             <a:r>
-              <a:rPr lang="en-US" dirty="0" smtClean="0"/>
+              <a:rPr lang="en-US" dirty="0"/>
               <a:t>• Flush the wrong-path instructions from the pipeline &amp; fetch the right path if wrong</a:t>
             </a:r>
           </a:p>
@@ -6154,7 +6032,7 @@
               <a:buNone/>
             </a:pPr>
             <a:r>
-              <a:rPr lang="en-US" b="1" dirty="0" smtClean="0"/>
+              <a:rPr lang="en-US" b="1" dirty="0"/>
               <a:t>Performance improvement depends on</a:t>
             </a:r>
           </a:p>
@@ -6163,7 +6041,7 @@
               <a:buNone/>
             </a:pPr>
             <a:r>
-              <a:rPr lang="en-US" dirty="0" smtClean="0"/>
+              <a:rPr lang="en-US" dirty="0"/>
               <a:t>• whether the prediction is correct (here’s most of the innovation) </a:t>
             </a:r>
           </a:p>
@@ -6172,7 +6050,7 @@
               <a:buNone/>
             </a:pPr>
             <a:r>
-              <a:rPr lang="en-US" dirty="0" smtClean="0"/>
+              <a:rPr lang="en-US" dirty="0"/>
               <a:t>• how soon you can check the prediction</a:t>
             </a:r>
             <a:endParaRPr lang="en-US" b="1" dirty="0"/>
@@ -6195,10 +6073,9 @@
           <a:lstStyle/>
           <a:p>
             <a:r>
-              <a:rPr lang="en-US" dirty="0" smtClean="0"/>
+              <a:rPr lang="en-US" dirty="0"/>
               <a:t>Branch prediction</a:t>
             </a:r>
-            <a:endParaRPr lang="en-US" dirty="0"/>
           </a:p>
         </p:txBody>
       </p:sp>
@@ -6248,7 +6125,7 @@
               <a:buNone/>
             </a:pPr>
             <a:r>
-              <a:rPr lang="en-US" dirty="0" smtClean="0">
+              <a:rPr lang="en-US" dirty="0">
                 <a:solidFill>
                   <a:srgbClr val="FF0000"/>
                 </a:solidFill>
@@ -6261,7 +6138,7 @@
               <a:buNone/>
             </a:pPr>
             <a:r>
-              <a:rPr lang="en-US" dirty="0" smtClean="0"/>
+              <a:rPr lang="en-US" dirty="0"/>
               <a:t>	• the prediction changes as program behavior changes </a:t>
             </a:r>
           </a:p>
@@ -6270,7 +6147,7 @@
               <a:buNone/>
             </a:pPr>
             <a:r>
-              <a:rPr lang="en-US" dirty="0" smtClean="0"/>
+              <a:rPr lang="en-US" dirty="0"/>
               <a:t>	• branch prediction implemented in hardware </a:t>
             </a:r>
           </a:p>
@@ -6279,7 +6156,7 @@
               <a:buNone/>
             </a:pPr>
             <a:r>
-              <a:rPr lang="en-US" dirty="0" smtClean="0"/>
+              <a:rPr lang="en-US" dirty="0"/>
               <a:t>	• common algorithm based on branch history </a:t>
             </a:r>
           </a:p>
@@ -6288,11 +6165,11 @@
               <a:buNone/>
             </a:pPr>
             <a:r>
-              <a:rPr lang="en-US" dirty="0" smtClean="0"/>
+              <a:rPr lang="en-US" dirty="0"/>
               <a:t>		• predict the branch </a:t>
             </a:r>
             <a:r>
-              <a:rPr lang="en-US" dirty="0" smtClean="0">
+              <a:rPr lang="en-US" dirty="0">
                 <a:solidFill>
                   <a:srgbClr val="00B050"/>
                 </a:solidFill>
@@ -6300,7 +6177,7 @@
               <a:t>taken</a:t>
             </a:r>
             <a:r>
-              <a:rPr lang="en-US" dirty="0" smtClean="0"/>
+              <a:rPr lang="en-US" dirty="0"/>
               <a:t> if branched the last time </a:t>
             </a:r>
           </a:p>
@@ -6309,11 +6186,11 @@
               <a:buNone/>
             </a:pPr>
             <a:r>
-              <a:rPr lang="en-US" dirty="0" smtClean="0"/>
+              <a:rPr lang="en-US" dirty="0"/>
               <a:t>		• predict the branch </a:t>
             </a:r>
             <a:r>
-              <a:rPr lang="en-US" dirty="0" smtClean="0">
+              <a:rPr lang="en-US" dirty="0">
                 <a:solidFill>
                   <a:srgbClr val="00B050"/>
                 </a:solidFill>
@@ -6321,7 +6198,7 @@
               <a:t>not-taken</a:t>
             </a:r>
             <a:r>
-              <a:rPr lang="en-US" dirty="0" smtClean="0"/>
+              <a:rPr lang="en-US" dirty="0"/>
               <a:t> if didn’t branch the last time </a:t>
             </a:r>
           </a:p>
@@ -6330,7 +6207,7 @@
               <a:buNone/>
             </a:pPr>
             <a:r>
-              <a:rPr lang="en-US" dirty="0" smtClean="0">
+              <a:rPr lang="en-US" dirty="0">
                 <a:solidFill>
                   <a:srgbClr val="FF0000"/>
                 </a:solidFill>
@@ -6343,7 +6220,7 @@
               <a:buNone/>
             </a:pPr>
             <a:r>
-              <a:rPr lang="en-US" dirty="0" smtClean="0"/>
+              <a:rPr lang="en-US" dirty="0"/>
               <a:t>	• compiler-determined prediction </a:t>
             </a:r>
           </a:p>
@@ -6352,7 +6229,7 @@
               <a:buNone/>
             </a:pPr>
             <a:r>
-              <a:rPr lang="en-US" dirty="0" smtClean="0"/>
+              <a:rPr lang="en-US" dirty="0"/>
               <a:t>	• fixed for the life of the program </a:t>
             </a:r>
           </a:p>
@@ -6361,10 +6238,9 @@
               <a:buNone/>
             </a:pPr>
             <a:r>
-              <a:rPr lang="en-US" dirty="0" smtClean="0"/>
+              <a:rPr lang="en-US" dirty="0"/>
               <a:t>	• an algorithm?</a:t>
             </a:r>
-            <a:endParaRPr lang="en-US" dirty="0"/>
           </a:p>
         </p:txBody>
       </p:sp>
@@ -6384,10 +6260,9 @@
           <a:lstStyle/>
           <a:p>
             <a:r>
-              <a:rPr lang="en-US" dirty="0" smtClean="0"/>
+              <a:rPr lang="en-US" dirty="0"/>
               <a:t>Dynamic branch prediction</a:t>
             </a:r>
-            <a:endParaRPr lang="en-US" dirty="0"/>
           </a:p>
         </p:txBody>
       </p:sp>
@@ -6442,7 +6317,7 @@
               <a:buNone/>
             </a:pPr>
             <a:r>
-              <a:rPr lang="en-US" dirty="0" smtClean="0">
+              <a:rPr lang="en-US" dirty="0">
                 <a:solidFill>
                   <a:srgbClr val="FF0000"/>
                 </a:solidFill>
@@ -6455,7 +6330,7 @@
               <a:buNone/>
             </a:pPr>
             <a:r>
-              <a:rPr lang="en-US" dirty="0" smtClean="0"/>
+              <a:rPr lang="en-US" dirty="0"/>
               <a:t>	• small memory indexed by the lower bits of the address of a branch instruction during the fetch stage </a:t>
             </a:r>
           </a:p>
@@ -6464,7 +6339,7 @@
               <a:buNone/>
             </a:pPr>
             <a:r>
-              <a:rPr lang="en-US" dirty="0" smtClean="0"/>
+              <a:rPr lang="en-US" dirty="0"/>
               <a:t>	• contains a prediction (which path the last branch to index to this BPB location took) </a:t>
             </a:r>
           </a:p>
@@ -6473,7 +6348,7 @@
               <a:buNone/>
             </a:pPr>
             <a:r>
-              <a:rPr lang="en-US" dirty="0" smtClean="0"/>
+              <a:rPr lang="en-US" dirty="0"/>
               <a:t>	• do what the prediction says to do </a:t>
             </a:r>
           </a:p>
@@ -6482,7 +6357,7 @@
               <a:buNone/>
             </a:pPr>
             <a:r>
-              <a:rPr lang="en-US" dirty="0" smtClean="0"/>
+              <a:rPr lang="en-US" dirty="0"/>
               <a:t>	• if the prediction is taken &amp; it is correct </a:t>
             </a:r>
           </a:p>
@@ -6491,7 +6366,7 @@
               <a:buNone/>
             </a:pPr>
             <a:r>
-              <a:rPr lang="en-US" dirty="0" smtClean="0"/>
+              <a:rPr lang="en-US" dirty="0"/>
               <a:t>		• only incur a one-cycle penalty </a:t>
             </a:r>
           </a:p>
@@ -6500,7 +6375,7 @@
               <a:buNone/>
             </a:pPr>
             <a:r>
-              <a:rPr lang="en-US" dirty="0" smtClean="0"/>
+              <a:rPr lang="en-US" dirty="0"/>
               <a:t>	• if the prediction is not taken &amp; it is correct </a:t>
             </a:r>
           </a:p>
@@ -6509,7 +6384,7 @@
               <a:buNone/>
             </a:pPr>
             <a:r>
-              <a:rPr lang="en-US" dirty="0" smtClean="0"/>
+              <a:rPr lang="en-US" dirty="0"/>
               <a:t>		• incur no penalty  </a:t>
             </a:r>
           </a:p>
@@ -6518,7 +6393,7 @@
               <a:buNone/>
             </a:pPr>
             <a:r>
-              <a:rPr lang="en-US" dirty="0" smtClean="0"/>
+              <a:rPr lang="en-US" dirty="0"/>
               <a:t>	• if the prediction is incorrect </a:t>
             </a:r>
           </a:p>
@@ -6527,7 +6402,7 @@
               <a:buNone/>
             </a:pPr>
             <a:r>
-              <a:rPr lang="en-US" dirty="0" smtClean="0"/>
+              <a:rPr lang="en-US" dirty="0"/>
               <a:t>		• change the prediction </a:t>
             </a:r>
           </a:p>
@@ -6536,7 +6411,7 @@
               <a:buNone/>
             </a:pPr>
             <a:r>
-              <a:rPr lang="en-US" dirty="0" smtClean="0"/>
+              <a:rPr lang="en-US" dirty="0"/>
               <a:t>		• also flush the pipeline </a:t>
             </a:r>
           </a:p>
@@ -6545,10 +6420,9 @@
               <a:buNone/>
             </a:pPr>
             <a:r>
-              <a:rPr lang="en-US" dirty="0" smtClean="0"/>
+              <a:rPr lang="en-US" dirty="0"/>
               <a:t>		• penalty is the same as if there were no branch prediction </a:t>
             </a:r>
-            <a:endParaRPr lang="en-US" dirty="0"/>
           </a:p>
         </p:txBody>
       </p:sp>
@@ -6568,10 +6442,9 @@
           <a:lstStyle/>
           <a:p>
             <a:r>
-              <a:rPr lang="en-US" dirty="0" smtClean="0"/>
+              <a:rPr lang="en-US" dirty="0"/>
               <a:t>Branch Prediction Buffer</a:t>
             </a:r>
-            <a:endParaRPr lang="en-US" dirty="0"/>
           </a:p>
         </p:txBody>
       </p:sp>
@@ -6621,7 +6494,7 @@
               <a:buNone/>
             </a:pPr>
             <a:r>
-              <a:rPr lang="en-US" b="1" dirty="0" smtClean="0"/>
+              <a:rPr lang="en-US" b="1" dirty="0"/>
               <a:t>Example: </a:t>
             </a:r>
           </a:p>
@@ -6630,19 +6503,19 @@
               <a:buNone/>
             </a:pPr>
             <a:r>
-              <a:rPr lang="en-US" dirty="0" smtClean="0"/>
+              <a:rPr lang="en-US" dirty="0"/>
               <a:t> </a:t>
             </a:r>
             <a:r>
-              <a:rPr lang="en-US" i="1" dirty="0" smtClean="0"/>
+              <a:rPr lang="en-US" i="1" dirty="0"/>
               <a:t>for(</a:t>
             </a:r>
             <a:r>
-              <a:rPr lang="en-US" i="1" dirty="0" err="1" smtClean="0"/>
+              <a:rPr lang="en-US" i="1" dirty="0" err="1"/>
               <a:t>i</a:t>
             </a:r>
             <a:r>
-              <a:rPr lang="en-US" i="1" dirty="0" smtClean="0"/>
+              <a:rPr lang="en-US" i="1" dirty="0"/>
               <a:t>=0;i&lt;5;i++){</a:t>
             </a:r>
           </a:p>
@@ -6651,7 +6524,7 @@
               <a:buNone/>
             </a:pPr>
             <a:r>
-              <a:rPr lang="en-US" i="1" dirty="0" smtClean="0"/>
+              <a:rPr lang="en-US" i="1" dirty="0"/>
               <a:t>            a+=1;</a:t>
             </a:r>
           </a:p>
@@ -6660,7 +6533,7 @@
               <a:buNone/>
             </a:pPr>
             <a:r>
-              <a:rPr lang="en-US" i="1" dirty="0" smtClean="0"/>
+              <a:rPr lang="en-US" i="1" dirty="0"/>
               <a:t>     }</a:t>
             </a:r>
           </a:p>
@@ -6669,11 +6542,11 @@
               <a:buNone/>
             </a:pPr>
             <a:r>
-              <a:rPr lang="en-US" dirty="0" err="1" smtClean="0"/>
+              <a:rPr lang="en-US" dirty="0" err="1"/>
               <a:t>i</a:t>
             </a:r>
             <a:r>
-              <a:rPr lang="en-US" dirty="0" smtClean="0"/>
+              <a:rPr lang="en-US" dirty="0"/>
               <a:t>           0    1    2    3    4    5     0     1 </a:t>
             </a:r>
           </a:p>
@@ -6682,99 +6555,99 @@
               <a:buNone/>
             </a:pPr>
             <a:r>
-              <a:rPr lang="en-US" dirty="0" smtClean="0"/>
+              <a:rPr lang="en-US" dirty="0"/>
               <a:t>            T    </a:t>
             </a:r>
             <a:r>
-              <a:rPr lang="en-US" dirty="0" err="1" smtClean="0"/>
+              <a:rPr lang="en-US" dirty="0" err="1"/>
               <a:t>T</a:t>
             </a:r>
             <a:r>
-              <a:rPr lang="en-US" dirty="0" smtClean="0"/>
+              <a:rPr lang="en-US" dirty="0"/>
               <a:t>    </a:t>
             </a:r>
             <a:r>
-              <a:rPr lang="en-US" dirty="0" err="1" smtClean="0"/>
+              <a:rPr lang="en-US" dirty="0" err="1"/>
               <a:t>T</a:t>
             </a:r>
             <a:r>
-              <a:rPr lang="en-US" dirty="0" smtClean="0"/>
+              <a:rPr lang="en-US" dirty="0"/>
               <a:t>    </a:t>
             </a:r>
             <a:r>
-              <a:rPr lang="en-US" dirty="0" err="1" smtClean="0"/>
+              <a:rPr lang="en-US" dirty="0" err="1"/>
               <a:t>T</a:t>
             </a:r>
             <a:r>
-              <a:rPr lang="en-US" dirty="0" smtClean="0"/>
+              <a:rPr lang="en-US" dirty="0"/>
               <a:t>    </a:t>
             </a:r>
             <a:r>
-              <a:rPr lang="en-US" dirty="0" err="1" smtClean="0"/>
+              <a:rPr lang="en-US" dirty="0" err="1"/>
               <a:t>T</a:t>
             </a:r>
             <a:r>
-              <a:rPr lang="en-US" dirty="0" smtClean="0"/>
+              <a:rPr lang="en-US" dirty="0"/>
               <a:t>    N     T     </a:t>
             </a:r>
             <a:r>
-              <a:rPr lang="en-US" dirty="0" err="1" smtClean="0"/>
+              <a:rPr lang="en-US" dirty="0" err="1"/>
               <a:t>T</a:t>
             </a:r>
-            <a:endParaRPr lang="en-US" dirty="0" smtClean="0"/>
+            <a:endParaRPr lang="en-US" dirty="0"/>
           </a:p>
           <a:p>
             <a:pPr>
               <a:buNone/>
             </a:pPr>
-            <a:endParaRPr lang="en-US" dirty="0" smtClean="0"/>
+            <a:endParaRPr lang="en-US" dirty="0"/>
           </a:p>
           <a:p>
             <a:pPr>
               <a:buNone/>
             </a:pPr>
             <a:r>
-              <a:rPr lang="en-US" dirty="0" smtClean="0"/>
+              <a:rPr lang="en-US" dirty="0"/>
               <a:t>1-bit    D    </a:t>
             </a:r>
             <a:r>
-              <a:rPr lang="en-US" dirty="0" err="1" smtClean="0"/>
+              <a:rPr lang="en-US" dirty="0" err="1"/>
               <a:t>D</a:t>
             </a:r>
             <a:r>
-              <a:rPr lang="en-US" dirty="0" smtClean="0"/>
+              <a:rPr lang="en-US" dirty="0"/>
               <a:t>    </a:t>
             </a:r>
             <a:r>
-              <a:rPr lang="en-US" dirty="0" err="1" smtClean="0"/>
+              <a:rPr lang="en-US" dirty="0" err="1"/>
               <a:t>D</a:t>
             </a:r>
             <a:r>
-              <a:rPr lang="en-US" dirty="0" smtClean="0"/>
+              <a:rPr lang="en-US" dirty="0"/>
               <a:t>   </a:t>
             </a:r>
             <a:r>
-              <a:rPr lang="en-US" dirty="0" err="1" smtClean="0"/>
+              <a:rPr lang="en-US" dirty="0" err="1"/>
               <a:t>D</a:t>
             </a:r>
             <a:r>
-              <a:rPr lang="en-US" dirty="0" smtClean="0"/>
+              <a:rPr lang="en-US" dirty="0"/>
               <a:t>    </a:t>
             </a:r>
             <a:r>
-              <a:rPr lang="en-US" dirty="0" err="1" smtClean="0"/>
+              <a:rPr lang="en-US" dirty="0" err="1"/>
               <a:t>D</a:t>
             </a:r>
             <a:r>
-              <a:rPr lang="en-US" dirty="0" smtClean="0"/>
+              <a:rPr lang="en-US" dirty="0"/>
               <a:t>   ND   </a:t>
             </a:r>
             <a:r>
-              <a:rPr lang="en-US" dirty="0" err="1" smtClean="0"/>
+              <a:rPr lang="en-US" dirty="0" err="1"/>
               <a:t>ND</a:t>
             </a:r>
             <a:r>
-              <a:rPr lang="en-US" dirty="0" smtClean="0"/>
+              <a:rPr lang="en-US" dirty="0"/>
               <a:t>  D </a:t>
             </a:r>
           </a:p>
@@ -6782,50 +6655,50 @@
             <a:pPr>
               <a:buNone/>
             </a:pPr>
-            <a:endParaRPr lang="en-US" dirty="0" smtClean="0"/>
+            <a:endParaRPr lang="en-US" dirty="0"/>
           </a:p>
           <a:p>
             <a:pPr>
               <a:buNone/>
             </a:pPr>
             <a:r>
-              <a:rPr lang="en-US" dirty="0" smtClean="0"/>
+              <a:rPr lang="en-US" dirty="0"/>
               <a:t>2-bit    D    </a:t>
             </a:r>
             <a:r>
-              <a:rPr lang="en-US" dirty="0" err="1" smtClean="0"/>
+              <a:rPr lang="en-US" dirty="0" err="1"/>
               <a:t>D</a:t>
             </a:r>
             <a:r>
-              <a:rPr lang="en-US" dirty="0" smtClean="0"/>
+              <a:rPr lang="en-US" dirty="0"/>
               <a:t>    </a:t>
             </a:r>
             <a:r>
-              <a:rPr lang="en-US" dirty="0" err="1" smtClean="0"/>
+              <a:rPr lang="en-US" dirty="0" err="1"/>
               <a:t>D</a:t>
             </a:r>
             <a:r>
-              <a:rPr lang="en-US" dirty="0" smtClean="0"/>
+              <a:rPr lang="en-US" dirty="0"/>
               <a:t>    </a:t>
             </a:r>
             <a:r>
-              <a:rPr lang="en-US" dirty="0" err="1" smtClean="0"/>
+              <a:rPr lang="en-US" dirty="0" err="1"/>
               <a:t>D</a:t>
             </a:r>
             <a:r>
-              <a:rPr lang="en-US" dirty="0" smtClean="0"/>
+              <a:rPr lang="en-US" dirty="0"/>
               <a:t>   </a:t>
             </a:r>
             <a:r>
-              <a:rPr lang="en-US" dirty="0" err="1" smtClean="0"/>
+              <a:rPr lang="en-US" dirty="0" err="1"/>
               <a:t>D</a:t>
             </a:r>
             <a:r>
-              <a:rPr lang="en-US" dirty="0" smtClean="0"/>
+              <a:rPr lang="en-US" dirty="0"/>
               <a:t>   ND   D     </a:t>
             </a:r>
             <a:r>
-              <a:rPr lang="en-US" dirty="0" err="1" smtClean="0"/>
+              <a:rPr lang="en-US" dirty="0" err="1"/>
               <a:t>D</a:t>
             </a:r>
             <a:endParaRPr lang="en-US" dirty="0"/>
@@ -6848,10 +6721,9 @@
           <a:lstStyle/>
           <a:p>
             <a:r>
-              <a:rPr lang="en-US" dirty="0" smtClean="0"/>
+              <a:rPr lang="en-US" dirty="0"/>
               <a:t>Branch Predictor </a:t>
             </a:r>
-            <a:endParaRPr lang="en-US" dirty="0"/>
           </a:p>
         </p:txBody>
       </p:sp>
@@ -6896,10 +6768,9 @@
           <a:lstStyle/>
           <a:p>
             <a:r>
-              <a:rPr lang="en-US" dirty="0" smtClean="0"/>
+              <a:rPr lang="en-US" dirty="0"/>
               <a:t>One-bit Branch Predictor</a:t>
             </a:r>
-            <a:endParaRPr lang="en-US" dirty="0"/>
           </a:p>
         </p:txBody>
       </p:sp>
@@ -6979,10 +6850,9 @@
           <a:lstStyle/>
           <a:p>
             <a:r>
-              <a:rPr lang="en-US" dirty="0" smtClean="0"/>
+              <a:rPr lang="en-US" dirty="0"/>
               <a:t>Two-bit Branch Predictor</a:t>
             </a:r>
-            <a:endParaRPr lang="en-US" dirty="0"/>
           </a:p>
         </p:txBody>
       </p:sp>
@@ -7072,7 +6942,7 @@
               <a:buNone/>
             </a:pPr>
             <a:r>
-              <a:rPr lang="en-US" dirty="0" smtClean="0"/>
+              <a:rPr lang="en-US" dirty="0"/>
               <a:t>A single prediction bit does not work well with loops </a:t>
             </a:r>
           </a:p>
@@ -7081,15 +6951,15 @@
               <a:buNone/>
             </a:pPr>
             <a:r>
-              <a:rPr lang="en-US" dirty="0" smtClean="0"/>
+              <a:rPr lang="en-US" dirty="0"/>
               <a:t>	• </a:t>
             </a:r>
             <a:r>
-              <a:rPr lang="en-US" dirty="0" err="1" smtClean="0"/>
+              <a:rPr lang="en-US" dirty="0" err="1"/>
               <a:t>mispredicts</a:t>
             </a:r>
             <a:r>
-              <a:rPr lang="en-US" dirty="0" smtClean="0"/>
+              <a:rPr lang="en-US" dirty="0"/>
               <a:t> the first &amp; last iterations of a nested loop </a:t>
             </a:r>
           </a:p>
@@ -7098,7 +6968,7 @@
               <a:buNone/>
             </a:pPr>
             <a:r>
-              <a:rPr lang="en-US" dirty="0" smtClean="0">
+              <a:rPr lang="en-US" dirty="0">
                 <a:solidFill>
                   <a:srgbClr val="FF0000"/>
                 </a:solidFill>
@@ -7111,10 +6981,9 @@
               <a:buNone/>
             </a:pPr>
             <a:r>
-              <a:rPr lang="en-US" dirty="0" smtClean="0"/>
+              <a:rPr lang="en-US" dirty="0"/>
               <a:t>	• Algorithm: have to be wrong twice before the prediction is changed</a:t>
             </a:r>
-            <a:endParaRPr lang="en-US" dirty="0"/>
           </a:p>
         </p:txBody>
       </p:sp>
@@ -7139,10 +7008,9 @@
           <a:lstStyle/>
           <a:p>
             <a:r>
-              <a:rPr lang="en-US" dirty="0" smtClean="0"/>
+              <a:rPr lang="en-US" dirty="0"/>
               <a:t>Two-bit Prediction</a:t>
             </a:r>
-            <a:endParaRPr lang="en-US" dirty="0"/>
           </a:p>
         </p:txBody>
       </p:sp>
